--- a/DataMiningProject/docs/presentation.pptx
+++ b/DataMiningProject/docs/presentation.pptx
@@ -13,7 +13,14 @@
     <p:sldId id="260" r:id="rId7"/>
     <p:sldId id="261" r:id="rId8"/>
     <p:sldId id="262" r:id="rId9"/>
-    <p:sldId id="263" r:id="rId10"/>
+    <p:sldId id="266" r:id="rId10"/>
+    <p:sldId id="267" r:id="rId11"/>
+    <p:sldId id="268" r:id="rId12"/>
+    <p:sldId id="270" r:id="rId13"/>
+    <p:sldId id="271" r:id="rId14"/>
+    <p:sldId id="272" r:id="rId15"/>
+    <p:sldId id="273" r:id="rId16"/>
+    <p:sldId id="274" r:id="rId17"/>
   </p:sldIdLst>
   <p:sldSz cx="12192000" cy="6858000"/>
   <p:notesSz cx="6858000" cy="9144000"/>
@@ -137,10 +144,20 @@
         <p14:section name="X-means" id="{4DB40C32-7BED-4F12-BC77-5267736D1016}">
           <p14:sldIdLst>
             <p14:sldId id="262"/>
-            <p14:sldId id="263"/>
+            <p14:sldId id="266"/>
+            <p14:sldId id="267"/>
+            <p14:sldId id="268"/>
+            <p14:sldId id="270"/>
+            <p14:sldId id="271"/>
+            <p14:sldId id="272"/>
+            <p14:sldId id="273"/>
+            <p14:sldId id="274"/>
           </p14:sldIdLst>
         </p14:section>
       </p14:sectionLst>
+    </p:ext>
+    <p:ext uri="{EFAFB233-063F-42B5-8137-9DF3F51BA10A}">
+      <p15:sldGuideLst xmlns:p15="http://schemas.microsoft.com/office/powerpoint/2012/main"/>
     </p:ext>
   </p:extLst>
 </p:presentation>
@@ -205,7 +222,7 @@
           </a:lstStyle>
           <a:p>
             <a:r>
-              <a:rPr lang="en-US" smtClean="0"/>
+              <a:rPr lang="en-US"/>
               <a:t>Click to edit Master title style</a:t>
             </a:r>
             <a:endParaRPr lang="en-US" dirty="0"/>
@@ -335,7 +352,7 @@
           </a:lstStyle>
           <a:p>
             <a:r>
-              <a:rPr lang="en-US" smtClean="0"/>
+              <a:rPr lang="en-US"/>
               <a:t>Click to edit Master subtitle style</a:t>
             </a:r>
             <a:endParaRPr lang="en-US" dirty="0"/>
@@ -360,7 +377,7 @@
             <a:fld id="{B61BEF0D-F0BB-DE4B-95CE-6DB70DBA9567}" type="datetimeFigureOut">
               <a:rPr lang="en-US" dirty="0"/>
               <a:pPr/>
-              <a:t>4/9/2016</a:t>
+              <a:t>4/13/2016</a:t>
             </a:fld>
             <a:endParaRPr lang="en-US" dirty="0"/>
           </a:p>
@@ -461,7 +478,7 @@
           </a:lstStyle>
           <a:p>
             <a:r>
-              <a:rPr lang="en-US" smtClean="0"/>
+              <a:rPr lang="en-US"/>
               <a:t>Click to edit Master title style</a:t>
             </a:r>
             <a:endParaRPr lang="en-US" dirty="0"/>
@@ -556,7 +573,7 @@
           </a:lstStyle>
           <a:p>
             <a:r>
-              <a:rPr lang="en-US" smtClean="0"/>
+              <a:rPr lang="en-US"/>
               <a:t>Click icon to add picture</a:t>
             </a:r>
             <a:endParaRPr lang="en-US" dirty="0"/>
@@ -624,7 +641,7 @@
           <a:p>
             <a:pPr lvl="0"/>
             <a:r>
-              <a:rPr lang="en-US" smtClean="0"/>
+              <a:rPr lang="en-US"/>
               <a:t>Click to edit Master text styles</a:t>
             </a:r>
           </a:p>
@@ -648,7 +665,7 @@
             <a:fld id="{B61BEF0D-F0BB-DE4B-95CE-6DB70DBA9567}" type="datetimeFigureOut">
               <a:rPr lang="en-US" dirty="0"/>
               <a:pPr/>
-              <a:t>4/9/2016</a:t>
+              <a:t>4/13/2016</a:t>
             </a:fld>
             <a:endParaRPr lang="en-US" dirty="0"/>
           </a:p>
@@ -749,7 +766,7 @@
           </a:lstStyle>
           <a:p>
             <a:r>
-              <a:rPr lang="en-US" smtClean="0"/>
+              <a:rPr lang="en-US"/>
               <a:t>Click to edit Master title style</a:t>
             </a:r>
             <a:endParaRPr lang="en-US" dirty="0"/>
@@ -880,7 +897,7 @@
           <a:p>
             <a:pPr lvl="0"/>
             <a:r>
-              <a:rPr lang="en-US" smtClean="0"/>
+              <a:rPr lang="en-US"/>
               <a:t>Click to edit Master text styles</a:t>
             </a:r>
           </a:p>
@@ -904,7 +921,7 @@
             <a:fld id="{B61BEF0D-F0BB-DE4B-95CE-6DB70DBA9567}" type="datetimeFigureOut">
               <a:rPr lang="en-US" dirty="0"/>
               <a:pPr/>
-              <a:t>4/9/2016</a:t>
+              <a:t>4/13/2016</a:t>
             </a:fld>
             <a:endParaRPr lang="en-US" dirty="0"/>
           </a:p>
@@ -1239,7 +1256,7 @@
           </a:lstStyle>
           <a:p>
             <a:r>
-              <a:rPr lang="en-US" smtClean="0"/>
+              <a:rPr lang="en-US"/>
               <a:t>Click to edit Master title style</a:t>
             </a:r>
             <a:endParaRPr lang="en-US" dirty="0"/>
@@ -1294,7 +1311,7 @@
           <a:p>
             <a:pPr lvl="0"/>
             <a:r>
-              <a:rPr lang="en-US" smtClean="0"/>
+              <a:rPr lang="en-US"/>
               <a:t>Click to edit Master text styles</a:t>
             </a:r>
           </a:p>
@@ -1346,7 +1363,7 @@
               <a:buNone/>
             </a:pPr>
             <a:r>
-              <a:rPr lang="en-US" smtClean="0"/>
+              <a:rPr lang="en-US"/>
               <a:t>Click to edit Master text styles</a:t>
             </a:r>
           </a:p>
@@ -1370,7 +1387,7 @@
             <a:fld id="{B61BEF0D-F0BB-DE4B-95CE-6DB70DBA9567}" type="datetimeFigureOut">
               <a:rPr lang="en-US" dirty="0"/>
               <a:pPr/>
-              <a:t>4/9/2016</a:t>
+              <a:t>4/13/2016</a:t>
             </a:fld>
             <a:endParaRPr lang="en-US" dirty="0"/>
           </a:p>
@@ -1471,7 +1488,7 @@
           </a:lstStyle>
           <a:p>
             <a:r>
-              <a:rPr lang="en-US" smtClean="0"/>
+              <a:rPr lang="en-US"/>
               <a:t>Click to edit Master title style</a:t>
             </a:r>
             <a:endParaRPr lang="en-US" dirty="0"/>
@@ -1523,7 +1540,7 @@
               <a:buNone/>
             </a:pPr>
             <a:r>
-              <a:rPr lang="en-US" smtClean="0"/>
+              <a:rPr lang="en-US"/>
               <a:t>Click to edit Master text styles</a:t>
             </a:r>
           </a:p>
@@ -1547,7 +1564,7 @@
             <a:fld id="{B61BEF0D-F0BB-DE4B-95CE-6DB70DBA9567}" type="datetimeFigureOut">
               <a:rPr lang="en-US" dirty="0"/>
               <a:pPr/>
-              <a:t>4/9/2016</a:t>
+              <a:t>4/13/2016</a:t>
             </a:fld>
             <a:endParaRPr lang="en-US" dirty="0"/>
           </a:p>
@@ -1893,7 +1910,7 @@
           </a:lstStyle>
           <a:p>
             <a:r>
-              <a:rPr lang="en-US" smtClean="0"/>
+              <a:rPr lang="en-US"/>
               <a:t>Click to edit Master title style</a:t>
             </a:r>
             <a:endParaRPr lang="en-US" dirty="0"/>
@@ -1966,7 +1983,7 @@
               <a:buNone/>
             </a:pPr>
             <a:r>
-              <a:rPr lang="en-US" smtClean="0"/>
+              <a:rPr lang="en-US"/>
               <a:t>Click to edit Master text styles</a:t>
             </a:r>
           </a:p>
@@ -2096,7 +2113,7 @@
           <a:p>
             <a:pPr lvl="0"/>
             <a:r>
-              <a:rPr lang="en-US" smtClean="0"/>
+              <a:rPr lang="en-US"/>
               <a:t>Click to edit Master text styles</a:t>
             </a:r>
           </a:p>
@@ -2120,7 +2137,7 @@
             <a:fld id="{B61BEF0D-F0BB-DE4B-95CE-6DB70DBA9567}" type="datetimeFigureOut">
               <a:rPr lang="en-US" dirty="0"/>
               <a:pPr/>
-              <a:t>4/9/2016</a:t>
+              <a:t>4/13/2016</a:t>
             </a:fld>
             <a:endParaRPr lang="en-US" dirty="0"/>
           </a:p>
@@ -2222,7 +2239,7 @@
           <a:p>
             <a:pPr marL="0" lvl="0"/>
             <a:r>
-              <a:rPr lang="en-US" smtClean="0"/>
+              <a:rPr lang="en-US"/>
               <a:t>Click to edit Master title style</a:t>
             </a:r>
             <a:endParaRPr lang="en-US" dirty="0"/>
@@ -2295,7 +2312,7 @@
               <a:buNone/>
             </a:pPr>
             <a:r>
-              <a:rPr lang="en-US" smtClean="0"/>
+              <a:rPr lang="en-US"/>
               <a:t>Click to edit Master text styles</a:t>
             </a:r>
           </a:p>
@@ -2425,7 +2442,7 @@
           <a:p>
             <a:pPr lvl="0"/>
             <a:r>
-              <a:rPr lang="en-US" smtClean="0"/>
+              <a:rPr lang="en-US"/>
               <a:t>Click to edit Master text styles</a:t>
             </a:r>
           </a:p>
@@ -2449,7 +2466,7 @@
             <a:fld id="{B61BEF0D-F0BB-DE4B-95CE-6DB70DBA9567}" type="datetimeFigureOut">
               <a:rPr lang="en-US" dirty="0"/>
               <a:pPr/>
-              <a:t>4/9/2016</a:t>
+              <a:t>4/13/2016</a:t>
             </a:fld>
             <a:endParaRPr lang="en-US" dirty="0"/>
           </a:p>
@@ -2544,7 +2561,7 @@
           <a:lstStyle/>
           <a:p>
             <a:r>
-              <a:rPr lang="en-US" smtClean="0"/>
+              <a:rPr lang="en-US"/>
               <a:t>Click to edit Master title style</a:t>
             </a:r>
             <a:endParaRPr lang="en-US" dirty="0"/>
@@ -2568,35 +2585,35 @@
           <a:p>
             <a:pPr lvl="0"/>
             <a:r>
-              <a:rPr lang="en-US" smtClean="0"/>
+              <a:rPr lang="en-US"/>
               <a:t>Click to edit Master text styles</a:t>
             </a:r>
           </a:p>
           <a:p>
             <a:pPr lvl="1"/>
             <a:r>
-              <a:rPr lang="en-US" smtClean="0"/>
+              <a:rPr lang="en-US"/>
               <a:t>Second level</a:t>
             </a:r>
           </a:p>
           <a:p>
             <a:pPr lvl="2"/>
             <a:r>
-              <a:rPr lang="en-US" smtClean="0"/>
+              <a:rPr lang="en-US"/>
               <a:t>Third level</a:t>
             </a:r>
           </a:p>
           <a:p>
             <a:pPr lvl="3"/>
             <a:r>
-              <a:rPr lang="en-US" smtClean="0"/>
+              <a:rPr lang="en-US"/>
               <a:t>Fourth level</a:t>
             </a:r>
           </a:p>
           <a:p>
             <a:pPr lvl="4"/>
             <a:r>
-              <a:rPr lang="en-US" smtClean="0"/>
+              <a:rPr lang="en-US"/>
               <a:t>Fifth level</a:t>
             </a:r>
             <a:endParaRPr lang="en-US" dirty="0"/>
@@ -2621,7 +2638,7 @@
             <a:fld id="{B61BEF0D-F0BB-DE4B-95CE-6DB70DBA9567}" type="datetimeFigureOut">
               <a:rPr lang="en-US" dirty="0"/>
               <a:pPr/>
-              <a:t>4/9/2016</a:t>
+              <a:t>4/13/2016</a:t>
             </a:fld>
             <a:endParaRPr lang="en-US" dirty="0"/>
           </a:p>
@@ -2716,7 +2733,7 @@
           <a:lstStyle/>
           <a:p>
             <a:r>
-              <a:rPr lang="en-US" smtClean="0"/>
+              <a:rPr lang="en-US"/>
               <a:t>Click to edit Master title style</a:t>
             </a:r>
             <a:endParaRPr lang="en-US" dirty="0"/>
@@ -2745,35 +2762,35 @@
           <a:p>
             <a:pPr lvl="0"/>
             <a:r>
-              <a:rPr lang="en-US" smtClean="0"/>
+              <a:rPr lang="en-US"/>
               <a:t>Click to edit Master text styles</a:t>
             </a:r>
           </a:p>
           <a:p>
             <a:pPr lvl="1"/>
             <a:r>
-              <a:rPr lang="en-US" smtClean="0"/>
+              <a:rPr lang="en-US"/>
               <a:t>Second level</a:t>
             </a:r>
           </a:p>
           <a:p>
             <a:pPr lvl="2"/>
             <a:r>
-              <a:rPr lang="en-US" smtClean="0"/>
+              <a:rPr lang="en-US"/>
               <a:t>Third level</a:t>
             </a:r>
           </a:p>
           <a:p>
             <a:pPr lvl="3"/>
             <a:r>
-              <a:rPr lang="en-US" smtClean="0"/>
+              <a:rPr lang="en-US"/>
               <a:t>Fourth level</a:t>
             </a:r>
           </a:p>
           <a:p>
             <a:pPr lvl="4"/>
             <a:r>
-              <a:rPr lang="en-US" smtClean="0"/>
+              <a:rPr lang="en-US"/>
               <a:t>Fifth level</a:t>
             </a:r>
             <a:endParaRPr lang="en-US" dirty="0"/>
@@ -2798,7 +2815,7 @@
             <a:fld id="{B61BEF0D-F0BB-DE4B-95CE-6DB70DBA9567}" type="datetimeFigureOut">
               <a:rPr lang="en-US" dirty="0"/>
               <a:pPr/>
-              <a:t>4/9/2016</a:t>
+              <a:t>4/13/2016</a:t>
             </a:fld>
             <a:endParaRPr lang="en-US" dirty="0"/>
           </a:p>
@@ -2888,7 +2905,7 @@
           <a:lstStyle/>
           <a:p>
             <a:r>
-              <a:rPr lang="en-US" smtClean="0"/>
+              <a:rPr lang="en-US"/>
               <a:t>Click to edit Master title style</a:t>
             </a:r>
             <a:endParaRPr lang="en-US" dirty="0"/>
@@ -2912,35 +2929,35 @@
           <a:p>
             <a:pPr lvl="0"/>
             <a:r>
-              <a:rPr lang="en-US" smtClean="0"/>
+              <a:rPr lang="en-US"/>
               <a:t>Click to edit Master text styles</a:t>
             </a:r>
           </a:p>
           <a:p>
             <a:pPr lvl="1"/>
             <a:r>
-              <a:rPr lang="en-US" smtClean="0"/>
+              <a:rPr lang="en-US"/>
               <a:t>Second level</a:t>
             </a:r>
           </a:p>
           <a:p>
             <a:pPr lvl="2"/>
             <a:r>
-              <a:rPr lang="en-US" smtClean="0"/>
+              <a:rPr lang="en-US"/>
               <a:t>Third level</a:t>
             </a:r>
           </a:p>
           <a:p>
             <a:pPr lvl="3"/>
             <a:r>
-              <a:rPr lang="en-US" smtClean="0"/>
+              <a:rPr lang="en-US"/>
               <a:t>Fourth level</a:t>
             </a:r>
           </a:p>
           <a:p>
             <a:pPr lvl="4"/>
             <a:r>
-              <a:rPr lang="en-US" smtClean="0"/>
+              <a:rPr lang="en-US"/>
               <a:t>Fifth level</a:t>
             </a:r>
             <a:endParaRPr lang="en-US" dirty="0"/>
@@ -2965,7 +2982,7 @@
             <a:fld id="{B61BEF0D-F0BB-DE4B-95CE-6DB70DBA9567}" type="datetimeFigureOut">
               <a:rPr lang="en-US" dirty="0"/>
               <a:pPr/>
-              <a:t>4/9/2016</a:t>
+              <a:t>4/13/2016</a:t>
             </a:fld>
             <a:endParaRPr lang="en-US" dirty="0"/>
           </a:p>
@@ -3064,7 +3081,7 @@
           </a:lstStyle>
           <a:p>
             <a:r>
-              <a:rPr lang="en-US" smtClean="0"/>
+              <a:rPr lang="en-US"/>
               <a:t>Click to edit Master title style</a:t>
             </a:r>
             <a:endParaRPr lang="en-US" dirty="0"/>
@@ -3195,7 +3212,7 @@
           <a:p>
             <a:pPr lvl="0"/>
             <a:r>
-              <a:rPr lang="en-US" smtClean="0"/>
+              <a:rPr lang="en-US"/>
               <a:t>Click to edit Master text styles</a:t>
             </a:r>
           </a:p>
@@ -3219,7 +3236,7 @@
             <a:fld id="{B61BEF0D-F0BB-DE4B-95CE-6DB70DBA9567}" type="datetimeFigureOut">
               <a:rPr lang="en-US" dirty="0"/>
               <a:pPr/>
-              <a:t>4/9/2016</a:t>
+              <a:t>4/13/2016</a:t>
             </a:fld>
             <a:endParaRPr lang="en-US" dirty="0"/>
           </a:p>
@@ -3309,7 +3326,7 @@
           <a:lstStyle/>
           <a:p>
             <a:r>
-              <a:rPr lang="en-US" smtClean="0"/>
+              <a:rPr lang="en-US"/>
               <a:t>Click to edit Master title style</a:t>
             </a:r>
             <a:endParaRPr lang="en-US" dirty="0"/>
@@ -3368,35 +3385,35 @@
           <a:p>
             <a:pPr lvl="0"/>
             <a:r>
-              <a:rPr lang="en-US" smtClean="0"/>
+              <a:rPr lang="en-US"/>
               <a:t>Click to edit Master text styles</a:t>
             </a:r>
           </a:p>
           <a:p>
             <a:pPr lvl="1"/>
             <a:r>
-              <a:rPr lang="en-US" smtClean="0"/>
+              <a:rPr lang="en-US"/>
               <a:t>Second level</a:t>
             </a:r>
           </a:p>
           <a:p>
             <a:pPr lvl="2"/>
             <a:r>
-              <a:rPr lang="en-US" smtClean="0"/>
+              <a:rPr lang="en-US"/>
               <a:t>Third level</a:t>
             </a:r>
           </a:p>
           <a:p>
             <a:pPr lvl="3"/>
             <a:r>
-              <a:rPr lang="en-US" smtClean="0"/>
+              <a:rPr lang="en-US"/>
               <a:t>Fourth level</a:t>
             </a:r>
           </a:p>
           <a:p>
             <a:pPr lvl="4"/>
             <a:r>
-              <a:rPr lang="en-US" smtClean="0"/>
+              <a:rPr lang="en-US"/>
               <a:t>Fifth level</a:t>
             </a:r>
             <a:endParaRPr lang="en-US" dirty="0"/>
@@ -3455,35 +3472,35 @@
           <a:p>
             <a:pPr lvl="0"/>
             <a:r>
-              <a:rPr lang="en-US" smtClean="0"/>
+              <a:rPr lang="en-US"/>
               <a:t>Click to edit Master text styles</a:t>
             </a:r>
           </a:p>
           <a:p>
             <a:pPr lvl="1"/>
             <a:r>
-              <a:rPr lang="en-US" smtClean="0"/>
+              <a:rPr lang="en-US"/>
               <a:t>Second level</a:t>
             </a:r>
           </a:p>
           <a:p>
             <a:pPr lvl="2"/>
             <a:r>
-              <a:rPr lang="en-US" smtClean="0"/>
+              <a:rPr lang="en-US"/>
               <a:t>Third level</a:t>
             </a:r>
           </a:p>
           <a:p>
             <a:pPr lvl="3"/>
             <a:r>
-              <a:rPr lang="en-US" smtClean="0"/>
+              <a:rPr lang="en-US"/>
               <a:t>Fourth level</a:t>
             </a:r>
           </a:p>
           <a:p>
             <a:pPr lvl="4"/>
             <a:r>
-              <a:rPr lang="en-US" smtClean="0"/>
+              <a:rPr lang="en-US"/>
               <a:t>Fifth level</a:t>
             </a:r>
             <a:endParaRPr lang="en-US" dirty="0"/>
@@ -3508,7 +3525,7 @@
             <a:fld id="{B61BEF0D-F0BB-DE4B-95CE-6DB70DBA9567}" type="datetimeFigureOut">
               <a:rPr lang="en-US" dirty="0"/>
               <a:pPr/>
-              <a:t>4/9/2016</a:t>
+              <a:t>4/13/2016</a:t>
             </a:fld>
             <a:endParaRPr lang="en-US" dirty="0"/>
           </a:p>
@@ -3602,7 +3619,7 @@
           </a:lstStyle>
           <a:p>
             <a:r>
-              <a:rPr lang="en-US" smtClean="0"/>
+              <a:rPr lang="en-US"/>
               <a:t>Click to edit Master title style</a:t>
             </a:r>
             <a:endParaRPr lang="en-US" dirty="0"/>
@@ -3670,7 +3687,7 @@
           <a:p>
             <a:pPr lvl="0"/>
             <a:r>
-              <a:rPr lang="en-US" smtClean="0"/>
+              <a:rPr lang="en-US"/>
               <a:t>Click to edit Master text styles</a:t>
             </a:r>
           </a:p>
@@ -3728,35 +3745,35 @@
           <a:p>
             <a:pPr lvl="0"/>
             <a:r>
-              <a:rPr lang="en-US" smtClean="0"/>
+              <a:rPr lang="en-US"/>
               <a:t>Click to edit Master text styles</a:t>
             </a:r>
           </a:p>
           <a:p>
             <a:pPr lvl="1"/>
             <a:r>
-              <a:rPr lang="en-US" smtClean="0"/>
+              <a:rPr lang="en-US"/>
               <a:t>Second level</a:t>
             </a:r>
           </a:p>
           <a:p>
             <a:pPr lvl="2"/>
             <a:r>
-              <a:rPr lang="en-US" smtClean="0"/>
+              <a:rPr lang="en-US"/>
               <a:t>Third level</a:t>
             </a:r>
           </a:p>
           <a:p>
             <a:pPr lvl="3"/>
             <a:r>
-              <a:rPr lang="en-US" smtClean="0"/>
+              <a:rPr lang="en-US"/>
               <a:t>Fourth level</a:t>
             </a:r>
           </a:p>
           <a:p>
             <a:pPr lvl="4"/>
             <a:r>
-              <a:rPr lang="en-US" smtClean="0"/>
+              <a:rPr lang="en-US"/>
               <a:t>Fifth level</a:t>
             </a:r>
             <a:endParaRPr lang="en-US" dirty="0"/>
@@ -3824,7 +3841,7 @@
           <a:p>
             <a:pPr lvl="0"/>
             <a:r>
-              <a:rPr lang="en-US" smtClean="0"/>
+              <a:rPr lang="en-US"/>
               <a:t>Click to edit Master text styles</a:t>
             </a:r>
           </a:p>
@@ -3882,35 +3899,35 @@
           <a:p>
             <a:pPr lvl="0"/>
             <a:r>
-              <a:rPr lang="en-US" smtClean="0"/>
+              <a:rPr lang="en-US"/>
               <a:t>Click to edit Master text styles</a:t>
             </a:r>
           </a:p>
           <a:p>
             <a:pPr lvl="1"/>
             <a:r>
-              <a:rPr lang="en-US" smtClean="0"/>
+              <a:rPr lang="en-US"/>
               <a:t>Second level</a:t>
             </a:r>
           </a:p>
           <a:p>
             <a:pPr lvl="2"/>
             <a:r>
-              <a:rPr lang="en-US" smtClean="0"/>
+              <a:rPr lang="en-US"/>
               <a:t>Third level</a:t>
             </a:r>
           </a:p>
           <a:p>
             <a:pPr lvl="3"/>
             <a:r>
-              <a:rPr lang="en-US" smtClean="0"/>
+              <a:rPr lang="en-US"/>
               <a:t>Fourth level</a:t>
             </a:r>
           </a:p>
           <a:p>
             <a:pPr lvl="4"/>
             <a:r>
-              <a:rPr lang="en-US" smtClean="0"/>
+              <a:rPr lang="en-US"/>
               <a:t>Fifth level</a:t>
             </a:r>
             <a:endParaRPr lang="en-US" dirty="0"/>
@@ -3935,7 +3952,7 @@
             <a:fld id="{B61BEF0D-F0BB-DE4B-95CE-6DB70DBA9567}" type="datetimeFigureOut">
               <a:rPr lang="en-US" dirty="0"/>
               <a:pPr/>
-              <a:t>4/9/2016</a:t>
+              <a:t>4/13/2016</a:t>
             </a:fld>
             <a:endParaRPr lang="en-US" dirty="0"/>
           </a:p>
@@ -4025,7 +4042,7 @@
           <a:lstStyle/>
           <a:p>
             <a:r>
-              <a:rPr lang="en-US" smtClean="0"/>
+              <a:rPr lang="en-US"/>
               <a:t>Click to edit Master title style</a:t>
             </a:r>
             <a:endParaRPr lang="en-US" dirty="0"/>
@@ -4050,7 +4067,7 @@
             <a:fld id="{B61BEF0D-F0BB-DE4B-95CE-6DB70DBA9567}" type="datetimeFigureOut">
               <a:rPr lang="en-US" dirty="0"/>
               <a:pPr/>
-              <a:t>4/9/2016</a:t>
+              <a:t>4/13/2016</a:t>
             </a:fld>
             <a:endParaRPr lang="en-US" dirty="0"/>
           </a:p>
@@ -4142,7 +4159,7 @@
             <a:fld id="{B61BEF0D-F0BB-DE4B-95CE-6DB70DBA9567}" type="datetimeFigureOut">
               <a:rPr lang="en-US" dirty="0"/>
               <a:pPr/>
-              <a:t>4/9/2016</a:t>
+              <a:t>4/13/2016</a:t>
             </a:fld>
             <a:endParaRPr lang="en-US" dirty="0"/>
           </a:p>
@@ -4243,7 +4260,7 @@
           </a:lstStyle>
           <a:p>
             <a:r>
-              <a:rPr lang="en-US" smtClean="0"/>
+              <a:rPr lang="en-US"/>
               <a:t>Click to edit Master title style</a:t>
             </a:r>
             <a:endParaRPr lang="en-US" dirty="0"/>
@@ -4302,35 +4319,35 @@
           <a:p>
             <a:pPr lvl="0"/>
             <a:r>
-              <a:rPr lang="en-US" smtClean="0"/>
+              <a:rPr lang="en-US"/>
               <a:t>Click to edit Master text styles</a:t>
             </a:r>
           </a:p>
           <a:p>
             <a:pPr lvl="1"/>
             <a:r>
-              <a:rPr lang="en-US" smtClean="0"/>
+              <a:rPr lang="en-US"/>
               <a:t>Second level</a:t>
             </a:r>
           </a:p>
           <a:p>
             <a:pPr lvl="2"/>
             <a:r>
-              <a:rPr lang="en-US" smtClean="0"/>
+              <a:rPr lang="en-US"/>
               <a:t>Third level</a:t>
             </a:r>
           </a:p>
           <a:p>
             <a:pPr lvl="3"/>
             <a:r>
-              <a:rPr lang="en-US" smtClean="0"/>
+              <a:rPr lang="en-US"/>
               <a:t>Fourth level</a:t>
             </a:r>
           </a:p>
           <a:p>
             <a:pPr lvl="4"/>
             <a:r>
-              <a:rPr lang="en-US" smtClean="0"/>
+              <a:rPr lang="en-US"/>
               <a:t>Fifth level</a:t>
             </a:r>
             <a:endParaRPr lang="en-US" dirty="0"/>
@@ -4398,7 +4415,7 @@
           <a:p>
             <a:pPr lvl="0"/>
             <a:r>
-              <a:rPr lang="en-US" smtClean="0"/>
+              <a:rPr lang="en-US"/>
               <a:t>Click to edit Master text styles</a:t>
             </a:r>
           </a:p>
@@ -4422,7 +4439,7 @@
             <a:fld id="{B61BEF0D-F0BB-DE4B-95CE-6DB70DBA9567}" type="datetimeFigureOut">
               <a:rPr lang="en-US" dirty="0"/>
               <a:pPr/>
-              <a:t>4/9/2016</a:t>
+              <a:t>4/13/2016</a:t>
             </a:fld>
             <a:endParaRPr lang="en-US" dirty="0"/>
           </a:p>
@@ -4523,7 +4540,7 @@
           </a:lstStyle>
           <a:p>
             <a:r>
-              <a:rPr lang="en-US" smtClean="0"/>
+              <a:rPr lang="en-US"/>
               <a:t>Click to edit Master title style</a:t>
             </a:r>
             <a:endParaRPr lang="en-US" dirty="0"/>
@@ -4613,7 +4630,7 @@
           </a:lstStyle>
           <a:p>
             <a:r>
-              <a:rPr lang="en-US" smtClean="0"/>
+              <a:rPr lang="en-US"/>
               <a:t>Click icon to add picture</a:t>
             </a:r>
             <a:endParaRPr lang="en-US" dirty="0"/>
@@ -4681,7 +4698,7 @@
           <a:p>
             <a:pPr lvl="0"/>
             <a:r>
-              <a:rPr lang="en-US" smtClean="0"/>
+              <a:rPr lang="en-US"/>
               <a:t>Click to edit Master text styles</a:t>
             </a:r>
           </a:p>
@@ -4710,7 +4727,7 @@
             <a:fld id="{B61BEF0D-F0BB-DE4B-95CE-6DB70DBA9567}" type="datetimeFigureOut">
               <a:rPr lang="en-US" dirty="0"/>
               <a:pPr/>
-              <a:t>4/9/2016</a:t>
+              <a:t>4/13/2016</a:t>
             </a:fld>
             <a:endParaRPr lang="en-US" dirty="0"/>
           </a:p>
@@ -4825,7 +4842,7 @@
           <a:lstStyle/>
           <a:p>
             <a:r>
-              <a:rPr lang="en-US" smtClean="0"/>
+              <a:rPr lang="en-US"/>
               <a:t>Click to edit Master title style</a:t>
             </a:r>
             <a:endParaRPr lang="en-US" dirty="0"/>
@@ -4859,35 +4876,35 @@
           <a:p>
             <a:pPr lvl="0"/>
             <a:r>
-              <a:rPr lang="en-US" smtClean="0"/>
+              <a:rPr lang="en-US"/>
               <a:t>Click to edit Master text styles</a:t>
             </a:r>
           </a:p>
           <a:p>
             <a:pPr lvl="1"/>
             <a:r>
-              <a:rPr lang="en-US" smtClean="0"/>
+              <a:rPr lang="en-US"/>
               <a:t>Second level</a:t>
             </a:r>
           </a:p>
           <a:p>
             <a:pPr lvl="2"/>
             <a:r>
-              <a:rPr lang="en-US" smtClean="0"/>
+              <a:rPr lang="en-US"/>
               <a:t>Third level</a:t>
             </a:r>
           </a:p>
           <a:p>
             <a:pPr lvl="3"/>
             <a:r>
-              <a:rPr lang="en-US" smtClean="0"/>
+              <a:rPr lang="en-US"/>
               <a:t>Fourth level</a:t>
             </a:r>
           </a:p>
           <a:p>
             <a:pPr lvl="4"/>
             <a:r>
-              <a:rPr lang="en-US" smtClean="0"/>
+              <a:rPr lang="en-US"/>
               <a:t>Fifth level</a:t>
             </a:r>
             <a:endParaRPr lang="en-US" dirty="0"/>
@@ -4938,7 +4955,7 @@
             <a:fld id="{B61BEF0D-F0BB-DE4B-95CE-6DB70DBA9567}" type="datetimeFigureOut">
               <a:rPr lang="en-US" dirty="0"/>
               <a:pPr/>
-              <a:t>4/9/2016</a:t>
+              <a:t>4/13/2016</a:t>
             </a:fld>
             <a:endParaRPr lang="en-US" dirty="0"/>
           </a:p>
@@ -5719,10 +5736,9 @@
           <a:lstStyle/>
           <a:p>
             <a:r>
-              <a:rPr lang="en-US" dirty="0" smtClean="0"/>
+              <a:rPr lang="en-US" dirty="0"/>
               <a:t>Implementation Project</a:t>
             </a:r>
-            <a:endParaRPr lang="en-US" dirty="0"/>
           </a:p>
         </p:txBody>
       </p:sp>
@@ -5743,13 +5759,8 @@
           <a:p>
             <a:r>
               <a:rPr lang="en-US" dirty="0"/>
-              <a:t>b</a:t>
-            </a:r>
-            <a:r>
-              <a:rPr lang="en-US" dirty="0" smtClean="0"/>
-              <a:t>y Armando Navarro and John Sanchez</a:t>
-            </a:r>
-            <a:endParaRPr lang="en-US" dirty="0"/>
+              <a:t>by Armando Navarro and John Sanchez</a:t>
+            </a:r>
           </a:p>
         </p:txBody>
       </p:sp>
@@ -5763,13 +5774,761 @@
   <p:clrMapOvr>
     <a:masterClrMapping/>
   </p:clrMapOvr>
-  <p:timing>
-    <p:tnLst>
-      <p:par>
-        <p:cTn id="1" dur="indefinite" restart="never" nodeType="tmRoot"/>
-      </p:par>
-    </p:tnLst>
-  </p:timing>
+</p:sld>
+</file>
+
+<file path=ppt/slides/slide10.xml><?xml version="1.0" encoding="utf-8"?>
+<p:sld xmlns:a="http://schemas.openxmlformats.org/drawingml/2006/main" xmlns:r="http://schemas.openxmlformats.org/officeDocument/2006/relationships" xmlns:p="http://schemas.openxmlformats.org/presentationml/2006/main">
+  <p:cSld>
+    <p:spTree>
+      <p:nvGrpSpPr>
+        <p:cNvPr id="1" name=""/>
+        <p:cNvGrpSpPr/>
+        <p:nvPr/>
+      </p:nvGrpSpPr>
+      <p:grpSpPr>
+        <a:xfrm>
+          <a:off x="0" y="0"/>
+          <a:ext cx="0" cy="0"/>
+          <a:chOff x="0" y="0"/>
+          <a:chExt cx="0" cy="0"/>
+        </a:xfrm>
+      </p:grpSpPr>
+      <p:sp>
+        <p:nvSpPr>
+          <p:cNvPr id="2" name="Title 1"/>
+          <p:cNvSpPr>
+            <a:spLocks noGrp="1"/>
+          </p:cNvSpPr>
+          <p:nvPr>
+            <p:ph type="title"/>
+          </p:nvPr>
+        </p:nvSpPr>
+        <p:spPr>
+          <a:xfrm>
+            <a:off x="1141413" y="135980"/>
+            <a:ext cx="9905998" cy="1049079"/>
+          </a:xfrm>
+        </p:spPr>
+        <p:txBody>
+          <a:bodyPr/>
+          <a:lstStyle/>
+          <a:p>
+            <a:r>
+              <a:rPr lang="en-US" dirty="0"/>
+              <a:t>What X-means Does</a:t>
+            </a:r>
+          </a:p>
+        </p:txBody>
+      </p:sp>
+      <p:pic>
+        <p:nvPicPr>
+          <p:cNvPr id="4" name="Content Placeholder 3"/>
+          <p:cNvPicPr>
+            <a:picLocks noGrp="1" noChangeAspect="1"/>
+          </p:cNvPicPr>
+          <p:nvPr>
+            <p:ph idx="1"/>
+          </p:nvPr>
+        </p:nvPicPr>
+        <p:blipFill>
+          <a:blip r:embed="rId2"/>
+          <a:stretch>
+            <a:fillRect/>
+          </a:stretch>
+        </p:blipFill>
+        <p:spPr>
+          <a:xfrm>
+            <a:off x="86114" y="980696"/>
+            <a:ext cx="7858260" cy="5902127"/>
+          </a:xfrm>
+        </p:spPr>
+      </p:pic>
+    </p:spTree>
+    <p:extLst>
+      <p:ext uri="{BB962C8B-B14F-4D97-AF65-F5344CB8AC3E}">
+        <p14:creationId xmlns:p14="http://schemas.microsoft.com/office/powerpoint/2010/main" val="552237662"/>
+      </p:ext>
+    </p:extLst>
+  </p:cSld>
+  <p:clrMapOvr>
+    <a:masterClrMapping/>
+  </p:clrMapOvr>
+</p:sld>
+</file>
+
+<file path=ppt/slides/slide11.xml><?xml version="1.0" encoding="utf-8"?>
+<p:sld xmlns:a="http://schemas.openxmlformats.org/drawingml/2006/main" xmlns:r="http://schemas.openxmlformats.org/officeDocument/2006/relationships" xmlns:p="http://schemas.openxmlformats.org/presentationml/2006/main">
+  <p:cSld>
+    <p:spTree>
+      <p:nvGrpSpPr>
+        <p:cNvPr id="1" name=""/>
+        <p:cNvGrpSpPr/>
+        <p:nvPr/>
+      </p:nvGrpSpPr>
+      <p:grpSpPr>
+        <a:xfrm>
+          <a:off x="0" y="0"/>
+          <a:ext cx="0" cy="0"/>
+          <a:chOff x="0" y="0"/>
+          <a:chExt cx="0" cy="0"/>
+        </a:xfrm>
+      </p:grpSpPr>
+      <p:sp>
+        <p:nvSpPr>
+          <p:cNvPr id="2" name="Title 1"/>
+          <p:cNvSpPr>
+            <a:spLocks noGrp="1"/>
+          </p:cNvSpPr>
+          <p:nvPr>
+            <p:ph type="title"/>
+          </p:nvPr>
+        </p:nvSpPr>
+        <p:spPr>
+          <a:xfrm>
+            <a:off x="621295" y="278593"/>
+            <a:ext cx="9905998" cy="1049079"/>
+          </a:xfrm>
+        </p:spPr>
+        <p:txBody>
+          <a:bodyPr/>
+          <a:lstStyle/>
+          <a:p>
+            <a:r>
+              <a:rPr lang="en-US" dirty="0" err="1"/>
+              <a:t>addCentroid</a:t>
+            </a:r>
+            <a:r>
+              <a:rPr lang="en-US" dirty="0"/>
+              <a:t>()</a:t>
+            </a:r>
+          </a:p>
+        </p:txBody>
+      </p:sp>
+      <p:pic>
+        <p:nvPicPr>
+          <p:cNvPr id="4" name="Content Placeholder 3"/>
+          <p:cNvPicPr>
+            <a:picLocks noGrp="1" noChangeAspect="1"/>
+          </p:cNvPicPr>
+          <p:nvPr>
+            <p:ph idx="1"/>
+          </p:nvPr>
+        </p:nvPicPr>
+        <p:blipFill>
+          <a:blip r:embed="rId2"/>
+          <a:stretch>
+            <a:fillRect/>
+          </a:stretch>
+        </p:blipFill>
+        <p:spPr>
+          <a:xfrm>
+            <a:off x="4216411" y="1212209"/>
+            <a:ext cx="7534528" cy="5645791"/>
+          </a:xfrm>
+        </p:spPr>
+      </p:pic>
+    </p:spTree>
+    <p:extLst>
+      <p:ext uri="{BB962C8B-B14F-4D97-AF65-F5344CB8AC3E}">
+        <p14:creationId xmlns:p14="http://schemas.microsoft.com/office/powerpoint/2010/main" val="248911952"/>
+      </p:ext>
+    </p:extLst>
+  </p:cSld>
+  <p:clrMapOvr>
+    <a:masterClrMapping/>
+  </p:clrMapOvr>
+</p:sld>
+</file>
+
+<file path=ppt/slides/slide12.xml><?xml version="1.0" encoding="utf-8"?>
+<p:sld xmlns:a="http://schemas.openxmlformats.org/drawingml/2006/main" xmlns:r="http://schemas.openxmlformats.org/officeDocument/2006/relationships" xmlns:p="http://schemas.openxmlformats.org/presentationml/2006/main">
+  <p:cSld>
+    <p:spTree>
+      <p:nvGrpSpPr>
+        <p:cNvPr id="1" name=""/>
+        <p:cNvGrpSpPr/>
+        <p:nvPr/>
+      </p:nvGrpSpPr>
+      <p:grpSpPr>
+        <a:xfrm>
+          <a:off x="0" y="0"/>
+          <a:ext cx="0" cy="0"/>
+          <a:chOff x="0" y="0"/>
+          <a:chExt cx="0" cy="0"/>
+        </a:xfrm>
+      </p:grpSpPr>
+      <p:pic>
+        <p:nvPicPr>
+          <p:cNvPr id="3" name="Picture 2"/>
+          <p:cNvPicPr>
+            <a:picLocks noChangeAspect="1"/>
+          </p:cNvPicPr>
+          <p:nvPr/>
+        </p:nvPicPr>
+        <p:blipFill>
+          <a:blip r:embed="rId2"/>
+          <a:stretch>
+            <a:fillRect/>
+          </a:stretch>
+        </p:blipFill>
+        <p:spPr>
+          <a:xfrm>
+            <a:off x="4216411" y="1212209"/>
+            <a:ext cx="7534528" cy="5645791"/>
+          </a:xfrm>
+          <a:prstGeom prst="rect">
+            <a:avLst/>
+          </a:prstGeom>
+        </p:spPr>
+      </p:pic>
+      <p:sp>
+        <p:nvSpPr>
+          <p:cNvPr id="2" name="Title 1"/>
+          <p:cNvSpPr>
+            <a:spLocks noGrp="1"/>
+          </p:cNvSpPr>
+          <p:nvPr>
+            <p:ph type="title"/>
+          </p:nvPr>
+        </p:nvSpPr>
+        <p:spPr>
+          <a:xfrm>
+            <a:off x="621295" y="278593"/>
+            <a:ext cx="9905998" cy="1049079"/>
+          </a:xfrm>
+        </p:spPr>
+        <p:txBody>
+          <a:bodyPr/>
+          <a:lstStyle/>
+          <a:p>
+            <a:r>
+              <a:rPr lang="en-US" dirty="0" err="1"/>
+              <a:t>addCentroid</a:t>
+            </a:r>
+            <a:r>
+              <a:rPr lang="en-US" dirty="0"/>
+              <a:t>()</a:t>
+            </a:r>
+          </a:p>
+        </p:txBody>
+      </p:sp>
+    </p:spTree>
+    <p:extLst>
+      <p:ext uri="{BB962C8B-B14F-4D97-AF65-F5344CB8AC3E}">
+        <p14:creationId xmlns:p14="http://schemas.microsoft.com/office/powerpoint/2010/main" val="425886970"/>
+      </p:ext>
+    </p:extLst>
+  </p:cSld>
+  <p:clrMapOvr>
+    <a:masterClrMapping/>
+  </p:clrMapOvr>
+</p:sld>
+</file>
+
+<file path=ppt/slides/slide13.xml><?xml version="1.0" encoding="utf-8"?>
+<p:sld xmlns:a="http://schemas.openxmlformats.org/drawingml/2006/main" xmlns:r="http://schemas.openxmlformats.org/officeDocument/2006/relationships" xmlns:p="http://schemas.openxmlformats.org/presentationml/2006/main">
+  <p:cSld>
+    <p:spTree>
+      <p:nvGrpSpPr>
+        <p:cNvPr id="1" name=""/>
+        <p:cNvGrpSpPr/>
+        <p:nvPr/>
+      </p:nvGrpSpPr>
+      <p:grpSpPr>
+        <a:xfrm>
+          <a:off x="0" y="0"/>
+          <a:ext cx="0" cy="0"/>
+          <a:chOff x="0" y="0"/>
+          <a:chExt cx="0" cy="0"/>
+        </a:xfrm>
+      </p:grpSpPr>
+      <p:pic>
+        <p:nvPicPr>
+          <p:cNvPr id="4" name="Picture 3"/>
+          <p:cNvPicPr>
+            <a:picLocks noChangeAspect="1"/>
+          </p:cNvPicPr>
+          <p:nvPr/>
+        </p:nvPicPr>
+        <p:blipFill>
+          <a:blip r:embed="rId2"/>
+          <a:stretch>
+            <a:fillRect/>
+          </a:stretch>
+        </p:blipFill>
+        <p:spPr>
+          <a:xfrm>
+            <a:off x="4216411" y="1212208"/>
+            <a:ext cx="7534528" cy="5645792"/>
+          </a:xfrm>
+          <a:prstGeom prst="rect">
+            <a:avLst/>
+          </a:prstGeom>
+        </p:spPr>
+      </p:pic>
+      <p:sp>
+        <p:nvSpPr>
+          <p:cNvPr id="2" name="Title 1"/>
+          <p:cNvSpPr>
+            <a:spLocks noGrp="1"/>
+          </p:cNvSpPr>
+          <p:nvPr>
+            <p:ph type="title"/>
+          </p:nvPr>
+        </p:nvSpPr>
+        <p:spPr>
+          <a:xfrm>
+            <a:off x="621295" y="278593"/>
+            <a:ext cx="9905998" cy="1049079"/>
+          </a:xfrm>
+        </p:spPr>
+        <p:txBody>
+          <a:bodyPr/>
+          <a:lstStyle/>
+          <a:p>
+            <a:r>
+              <a:rPr lang="en-US" dirty="0" err="1"/>
+              <a:t>addCentroid</a:t>
+            </a:r>
+            <a:r>
+              <a:rPr lang="en-US" dirty="0"/>
+              <a:t>()</a:t>
+            </a:r>
+          </a:p>
+        </p:txBody>
+      </p:sp>
+    </p:spTree>
+    <p:extLst>
+      <p:ext uri="{BB962C8B-B14F-4D97-AF65-F5344CB8AC3E}">
+        <p14:creationId xmlns:p14="http://schemas.microsoft.com/office/powerpoint/2010/main" val="3918034407"/>
+      </p:ext>
+    </p:extLst>
+  </p:cSld>
+  <p:clrMapOvr>
+    <a:masterClrMapping/>
+  </p:clrMapOvr>
+</p:sld>
+</file>
+
+<file path=ppt/slides/slide14.xml><?xml version="1.0" encoding="utf-8"?>
+<p:sld xmlns:a="http://schemas.openxmlformats.org/drawingml/2006/main" xmlns:r="http://schemas.openxmlformats.org/officeDocument/2006/relationships" xmlns:p="http://schemas.openxmlformats.org/presentationml/2006/main">
+  <p:cSld>
+    <p:spTree>
+      <p:nvGrpSpPr>
+        <p:cNvPr id="1" name=""/>
+        <p:cNvGrpSpPr/>
+        <p:nvPr/>
+      </p:nvGrpSpPr>
+      <p:grpSpPr>
+        <a:xfrm>
+          <a:off x="0" y="0"/>
+          <a:ext cx="0" cy="0"/>
+          <a:chOff x="0" y="0"/>
+          <a:chExt cx="0" cy="0"/>
+        </a:xfrm>
+      </p:grpSpPr>
+      <p:pic>
+        <p:nvPicPr>
+          <p:cNvPr id="4" name="Picture 3"/>
+          <p:cNvPicPr>
+            <a:picLocks noChangeAspect="1"/>
+          </p:cNvPicPr>
+          <p:nvPr/>
+        </p:nvPicPr>
+        <p:blipFill>
+          <a:blip r:embed="rId2"/>
+          <a:stretch>
+            <a:fillRect/>
+          </a:stretch>
+        </p:blipFill>
+        <p:spPr>
+          <a:xfrm>
+            <a:off x="4216411" y="1212208"/>
+            <a:ext cx="7534528" cy="5645792"/>
+          </a:xfrm>
+          <a:prstGeom prst="rect">
+            <a:avLst/>
+          </a:prstGeom>
+        </p:spPr>
+      </p:pic>
+      <p:sp>
+        <p:nvSpPr>
+          <p:cNvPr id="2" name="Title 1"/>
+          <p:cNvSpPr>
+            <a:spLocks noGrp="1"/>
+          </p:cNvSpPr>
+          <p:nvPr>
+            <p:ph type="title"/>
+          </p:nvPr>
+        </p:nvSpPr>
+        <p:spPr>
+          <a:xfrm>
+            <a:off x="621295" y="278593"/>
+            <a:ext cx="9905998" cy="1049079"/>
+          </a:xfrm>
+        </p:spPr>
+        <p:txBody>
+          <a:bodyPr/>
+          <a:lstStyle/>
+          <a:p>
+            <a:r>
+              <a:rPr lang="en-US" dirty="0" err="1"/>
+              <a:t>addCentroid</a:t>
+            </a:r>
+            <a:r>
+              <a:rPr lang="en-US" dirty="0"/>
+              <a:t>()</a:t>
+            </a:r>
+          </a:p>
+        </p:txBody>
+      </p:sp>
+      <p:pic>
+        <p:nvPicPr>
+          <p:cNvPr id="3" name="Picture 2"/>
+          <p:cNvPicPr>
+            <a:picLocks noChangeAspect="1"/>
+          </p:cNvPicPr>
+          <p:nvPr/>
+        </p:nvPicPr>
+        <p:blipFill>
+          <a:blip r:embed="rId3"/>
+          <a:stretch>
+            <a:fillRect/>
+          </a:stretch>
+        </p:blipFill>
+        <p:spPr>
+          <a:xfrm>
+            <a:off x="4602456" y="1212208"/>
+            <a:ext cx="7148483" cy="5645792"/>
+          </a:xfrm>
+          <a:prstGeom prst="rect">
+            <a:avLst/>
+          </a:prstGeom>
+        </p:spPr>
+      </p:pic>
+      <p:sp>
+        <p:nvSpPr>
+          <p:cNvPr id="5" name="Title 1"/>
+          <p:cNvSpPr txBox="1">
+            <a:spLocks/>
+          </p:cNvSpPr>
+          <p:nvPr/>
+        </p:nvSpPr>
+        <p:spPr>
+          <a:xfrm>
+            <a:off x="8552642" y="6060005"/>
+            <a:ext cx="5005771" cy="1049079"/>
+          </a:xfrm>
+          <a:prstGeom prst="rect">
+            <a:avLst/>
+          </a:prstGeom>
+        </p:spPr>
+        <p:txBody>
+          <a:bodyPr vert="horz" lIns="91440" tIns="45720" rIns="91440" bIns="45720" rtlCol="0" anchor="ctr">
+            <a:normAutofit/>
+          </a:bodyPr>
+          <a:lstStyle>
+            <a:lvl1pPr algn="l" defTabSz="457200" rtl="0" eaLnBrk="1" latinLnBrk="0" hangingPunct="1">
+              <a:spcBef>
+                <a:spcPct val="0"/>
+              </a:spcBef>
+              <a:buNone/>
+              <a:defRPr sz="3200" kern="1200" cap="all">
+                <a:ln w="3175" cmpd="sng">
+                  <a:noFill/>
+                </a:ln>
+                <a:gradFill flip="none" rotWithShape="1">
+                  <a:gsLst>
+                    <a:gs pos="0">
+                      <a:schemeClr val="tx1"/>
+                    </a:gs>
+                    <a:gs pos="100000">
+                      <a:schemeClr val="tx1">
+                        <a:lumMod val="65000"/>
+                      </a:schemeClr>
+                    </a:gs>
+                  </a:gsLst>
+                  <a:lin ang="5580000" scaled="0"/>
+                  <a:tileRect/>
+                </a:gradFill>
+                <a:effectLst>
+                  <a:glow rad="38100">
+                    <a:schemeClr val="bg1">
+                      <a:lumMod val="65000"/>
+                      <a:lumOff val="35000"/>
+                      <a:alpha val="40000"/>
+                    </a:schemeClr>
+                  </a:glow>
+                  <a:outerShdw blurRad="28575" dist="38100" dir="14040000" algn="tl" rotWithShape="0">
+                    <a:srgbClr val="000000">
+                      <a:alpha val="25000"/>
+                    </a:srgbClr>
+                  </a:outerShdw>
+                </a:effectLst>
+                <a:latin typeface="+mj-lt"/>
+                <a:ea typeface="+mj-ea"/>
+                <a:cs typeface="+mj-cs"/>
+              </a:defRPr>
+            </a:lvl1pPr>
+            <a:lvl2pPr eaLnBrk="1" hangingPunct="1">
+              <a:defRPr>
+                <a:solidFill>
+                  <a:schemeClr val="tx2"/>
+                </a:solidFill>
+              </a:defRPr>
+            </a:lvl2pPr>
+            <a:lvl3pPr eaLnBrk="1" hangingPunct="1">
+              <a:defRPr>
+                <a:solidFill>
+                  <a:schemeClr val="tx2"/>
+                </a:solidFill>
+              </a:defRPr>
+            </a:lvl3pPr>
+            <a:lvl4pPr eaLnBrk="1" hangingPunct="1">
+              <a:defRPr>
+                <a:solidFill>
+                  <a:schemeClr val="tx2"/>
+                </a:solidFill>
+              </a:defRPr>
+            </a:lvl4pPr>
+            <a:lvl5pPr eaLnBrk="1" hangingPunct="1">
+              <a:defRPr>
+                <a:solidFill>
+                  <a:schemeClr val="tx2"/>
+                </a:solidFill>
+              </a:defRPr>
+            </a:lvl5pPr>
+            <a:lvl6pPr eaLnBrk="1" hangingPunct="1">
+              <a:defRPr>
+                <a:solidFill>
+                  <a:schemeClr val="tx2"/>
+                </a:solidFill>
+              </a:defRPr>
+            </a:lvl6pPr>
+            <a:lvl7pPr eaLnBrk="1" hangingPunct="1">
+              <a:defRPr>
+                <a:solidFill>
+                  <a:schemeClr val="tx2"/>
+                </a:solidFill>
+              </a:defRPr>
+            </a:lvl7pPr>
+            <a:lvl8pPr eaLnBrk="1" hangingPunct="1">
+              <a:defRPr>
+                <a:solidFill>
+                  <a:schemeClr val="tx2"/>
+                </a:solidFill>
+              </a:defRPr>
+            </a:lvl8pPr>
+            <a:lvl9pPr eaLnBrk="1" hangingPunct="1">
+              <a:defRPr>
+                <a:solidFill>
+                  <a:schemeClr val="tx2"/>
+                </a:solidFill>
+              </a:defRPr>
+            </a:lvl9pPr>
+          </a:lstStyle>
+          <a:p>
+            <a:r>
+              <a:rPr lang="en-US" dirty="0"/>
+              <a:t>GOTO: loop Top</a:t>
+            </a:r>
+          </a:p>
+        </p:txBody>
+      </p:sp>
+    </p:spTree>
+    <p:extLst>
+      <p:ext uri="{BB962C8B-B14F-4D97-AF65-F5344CB8AC3E}">
+        <p14:creationId xmlns:p14="http://schemas.microsoft.com/office/powerpoint/2010/main" val="1652518982"/>
+      </p:ext>
+    </p:extLst>
+  </p:cSld>
+  <p:clrMapOvr>
+    <a:masterClrMapping/>
+  </p:clrMapOvr>
+</p:sld>
+</file>
+
+<file path=ppt/slides/slide15.xml><?xml version="1.0" encoding="utf-8"?>
+<p:sld xmlns:a="http://schemas.openxmlformats.org/drawingml/2006/main" xmlns:r="http://schemas.openxmlformats.org/officeDocument/2006/relationships" xmlns:p="http://schemas.openxmlformats.org/presentationml/2006/main">
+  <p:cSld>
+    <p:spTree>
+      <p:nvGrpSpPr>
+        <p:cNvPr id="1" name=""/>
+        <p:cNvGrpSpPr/>
+        <p:nvPr/>
+      </p:nvGrpSpPr>
+      <p:grpSpPr>
+        <a:xfrm>
+          <a:off x="0" y="0"/>
+          <a:ext cx="0" cy="0"/>
+          <a:chOff x="0" y="0"/>
+          <a:chExt cx="0" cy="0"/>
+        </a:xfrm>
+      </p:grpSpPr>
+      <p:sp>
+        <p:nvSpPr>
+          <p:cNvPr id="2" name="Title 1"/>
+          <p:cNvSpPr>
+            <a:spLocks noGrp="1"/>
+          </p:cNvSpPr>
+          <p:nvPr>
+            <p:ph type="title"/>
+          </p:nvPr>
+        </p:nvSpPr>
+        <p:spPr>
+          <a:xfrm>
+            <a:off x="1141413" y="1041991"/>
+            <a:ext cx="9905998" cy="1049079"/>
+          </a:xfrm>
+        </p:spPr>
+        <p:txBody>
+          <a:bodyPr/>
+          <a:lstStyle/>
+          <a:p>
+            <a:r>
+              <a:rPr lang="en-US" dirty="0"/>
+              <a:t>K-d Trees</a:t>
+            </a:r>
+          </a:p>
+        </p:txBody>
+      </p:sp>
+      <p:sp>
+        <p:nvSpPr>
+          <p:cNvPr id="3" name="Content Placeholder 2"/>
+          <p:cNvSpPr>
+            <a:spLocks noGrp="1"/>
+          </p:cNvSpPr>
+          <p:nvPr>
+            <p:ph idx="1"/>
+          </p:nvPr>
+        </p:nvSpPr>
+        <p:spPr>
+          <a:xfrm>
+            <a:off x="1141413" y="2197395"/>
+            <a:ext cx="9905998" cy="3593805"/>
+          </a:xfrm>
+        </p:spPr>
+        <p:txBody>
+          <a:bodyPr/>
+          <a:lstStyle/>
+          <a:p>
+            <a:r>
+              <a:rPr lang="en-US" dirty="0"/>
+              <a:t>The current X-means works well on  small data sets but still doesn’t scale well</a:t>
+            </a:r>
+          </a:p>
+          <a:p>
+            <a:endParaRPr lang="en-US" dirty="0"/>
+          </a:p>
+          <a:p>
+            <a:endParaRPr lang="en-US" dirty="0"/>
+          </a:p>
+          <a:p>
+            <a:r>
+              <a:rPr lang="en-US" dirty="0"/>
+              <a:t>Use K-D trees (Work in progress) </a:t>
+            </a:r>
+          </a:p>
+        </p:txBody>
+      </p:sp>
+    </p:spTree>
+    <p:extLst>
+      <p:ext uri="{BB962C8B-B14F-4D97-AF65-F5344CB8AC3E}">
+        <p14:creationId xmlns:p14="http://schemas.microsoft.com/office/powerpoint/2010/main" val="1210264168"/>
+      </p:ext>
+    </p:extLst>
+  </p:cSld>
+  <p:clrMapOvr>
+    <a:masterClrMapping/>
+  </p:clrMapOvr>
+</p:sld>
+</file>
+
+<file path=ppt/slides/slide16.xml><?xml version="1.0" encoding="utf-8"?>
+<p:sld xmlns:a="http://schemas.openxmlformats.org/drawingml/2006/main" xmlns:r="http://schemas.openxmlformats.org/officeDocument/2006/relationships" xmlns:p="http://schemas.openxmlformats.org/presentationml/2006/main">
+  <p:cSld>
+    <p:spTree>
+      <p:nvGrpSpPr>
+        <p:cNvPr id="1" name=""/>
+        <p:cNvGrpSpPr/>
+        <p:nvPr/>
+      </p:nvGrpSpPr>
+      <p:grpSpPr>
+        <a:xfrm>
+          <a:off x="0" y="0"/>
+          <a:ext cx="0" cy="0"/>
+          <a:chOff x="0" y="0"/>
+          <a:chExt cx="0" cy="0"/>
+        </a:xfrm>
+      </p:grpSpPr>
+      <p:sp>
+        <p:nvSpPr>
+          <p:cNvPr id="2" name="Title 1"/>
+          <p:cNvSpPr>
+            <a:spLocks noGrp="1"/>
+          </p:cNvSpPr>
+          <p:nvPr>
+            <p:ph type="title"/>
+          </p:nvPr>
+        </p:nvSpPr>
+        <p:spPr/>
+        <p:txBody>
+          <a:bodyPr/>
+          <a:lstStyle/>
+          <a:p>
+            <a:r>
+              <a:rPr lang="en-US" dirty="0"/>
+              <a:t>Sources</a:t>
+            </a:r>
+          </a:p>
+        </p:txBody>
+      </p:sp>
+      <p:sp>
+        <p:nvSpPr>
+          <p:cNvPr id="3" name="Content Placeholder 2"/>
+          <p:cNvSpPr>
+            <a:spLocks noGrp="1"/>
+          </p:cNvSpPr>
+          <p:nvPr>
+            <p:ph idx="1"/>
+          </p:nvPr>
+        </p:nvSpPr>
+        <p:spPr/>
+        <p:txBody>
+          <a:bodyPr/>
+          <a:lstStyle/>
+          <a:p>
+            <a:r>
+              <a:rPr lang="en-US" dirty="0"/>
+              <a:t>X-Means: Extending k-means with Efficient estimation of the number of clusters by Dan </a:t>
+            </a:r>
+            <a:r>
+              <a:rPr lang="en-US" dirty="0" err="1"/>
+              <a:t>Pelleg</a:t>
+            </a:r>
+            <a:r>
+              <a:rPr lang="en-US" dirty="0"/>
+              <a:t> </a:t>
+            </a:r>
+            <a:r>
+              <a:rPr lang="en-US"/>
+              <a:t>and Andrew Moore</a:t>
+            </a:r>
+            <a:endParaRPr lang="en-US" dirty="0"/>
+          </a:p>
+        </p:txBody>
+      </p:sp>
+    </p:spTree>
+    <p:extLst>
+      <p:ext uri="{BB962C8B-B14F-4D97-AF65-F5344CB8AC3E}">
+        <p14:creationId xmlns:p14="http://schemas.microsoft.com/office/powerpoint/2010/main" val="3708619962"/>
+      </p:ext>
+    </p:extLst>
+  </p:cSld>
+  <p:clrMapOvr>
+    <a:masterClrMapping/>
+  </p:clrMapOvr>
 </p:sld>
 </file>
 
@@ -5811,10 +6570,9 @@
           <a:lstStyle/>
           <a:p>
             <a:r>
-              <a:rPr lang="en-US" dirty="0" smtClean="0"/>
+              <a:rPr lang="en-US" dirty="0"/>
               <a:t>Algorithms Implemented</a:t>
             </a:r>
-            <a:endParaRPr lang="en-US" dirty="0"/>
           </a:p>
         </p:txBody>
       </p:sp>
@@ -5839,28 +6597,27 @@
           <a:lstStyle/>
           <a:p>
             <a:r>
-              <a:rPr lang="en-US" dirty="0" smtClean="0"/>
+              <a:rPr lang="en-US" dirty="0"/>
               <a:t>Apriori – Frequent Itemset Mining</a:t>
             </a:r>
           </a:p>
           <a:p>
-            <a:endParaRPr lang="en-US" dirty="0" smtClean="0"/>
-          </a:p>
-          <a:p>
-            <a:r>
-              <a:rPr lang="en-US" dirty="0" smtClean="0"/>
+            <a:endParaRPr lang="en-US" dirty="0"/>
+          </a:p>
+          <a:p>
+            <a:r>
+              <a:rPr lang="en-US" dirty="0"/>
               <a:t>ID3 – Classification</a:t>
             </a:r>
           </a:p>
           <a:p>
-            <a:endParaRPr lang="en-US" dirty="0" smtClean="0"/>
-          </a:p>
-          <a:p>
-            <a:r>
-              <a:rPr lang="en-US" dirty="0" smtClean="0"/>
+            <a:endParaRPr lang="en-US" dirty="0"/>
+          </a:p>
+          <a:p>
+            <a:r>
+              <a:rPr lang="en-US" dirty="0"/>
               <a:t>X-means - Clustering</a:t>
             </a:r>
-            <a:endParaRPr lang="en-US" dirty="0"/>
           </a:p>
         </p:txBody>
       </p:sp>
@@ -5874,13 +6631,6 @@
   <p:clrMapOvr>
     <a:masterClrMapping/>
   </p:clrMapOvr>
-  <p:timing>
-    <p:tnLst>
-      <p:par>
-        <p:cTn id="1" dur="indefinite" restart="never" nodeType="tmRoot"/>
-      </p:par>
-    </p:tnLst>
-  </p:timing>
 </p:sld>
 </file>
 
@@ -5922,10 +6672,9 @@
           <a:lstStyle/>
           <a:p>
             <a:r>
-              <a:rPr lang="en-US" dirty="0" smtClean="0"/>
+              <a:rPr lang="en-US" dirty="0"/>
               <a:t>Apriori</a:t>
             </a:r>
-            <a:endParaRPr lang="en-US" dirty="0"/>
           </a:p>
         </p:txBody>
       </p:sp>
@@ -5950,42 +6699,41 @@
           <a:lstStyle/>
           <a:p>
             <a:r>
-              <a:rPr lang="en-US" dirty="0" smtClean="0"/>
+              <a:rPr lang="en-US" dirty="0"/>
               <a:t>Parameters</a:t>
             </a:r>
           </a:p>
           <a:p>
-            <a:endParaRPr lang="en-US" dirty="0" smtClean="0"/>
+            <a:endParaRPr lang="en-US" dirty="0"/>
           </a:p>
           <a:p>
             <a:pPr lvl="1"/>
             <a:r>
-              <a:rPr lang="en-US" dirty="0" smtClean="0"/>
+              <a:rPr lang="en-US" dirty="0"/>
               <a:t>Minimum support (required)</a:t>
             </a:r>
           </a:p>
           <a:p>
             <a:pPr lvl="1"/>
-            <a:endParaRPr lang="en-US" dirty="0" smtClean="0"/>
+            <a:endParaRPr lang="en-US" dirty="0"/>
           </a:p>
           <a:p>
             <a:pPr lvl="1"/>
             <a:r>
-              <a:rPr lang="en-US" dirty="0" smtClean="0"/>
+              <a:rPr lang="en-US" dirty="0"/>
               <a:t>Children per node</a:t>
             </a:r>
           </a:p>
           <a:p>
             <a:pPr lvl="1"/>
-            <a:endParaRPr lang="en-US" dirty="0" smtClean="0"/>
+            <a:endParaRPr lang="en-US" dirty="0"/>
           </a:p>
           <a:p>
             <a:pPr lvl="1"/>
             <a:r>
-              <a:rPr lang="en-US" dirty="0" smtClean="0"/>
+              <a:rPr lang="en-US" dirty="0"/>
               <a:t>Maximum bucket size</a:t>
             </a:r>
-            <a:endParaRPr lang="en-US" dirty="0"/>
           </a:p>
         </p:txBody>
       </p:sp>
@@ -5999,13 +6747,6 @@
   <p:clrMapOvr>
     <a:masterClrMapping/>
   </p:clrMapOvr>
-  <p:timing>
-    <p:tnLst>
-      <p:par>
-        <p:cTn id="1" dur="indefinite" restart="never" nodeType="tmRoot"/>
-      </p:par>
-    </p:tnLst>
-  </p:timing>
 </p:sld>
 </file>
 
@@ -6049,10 +6790,9 @@
           <a:lstStyle/>
           <a:p>
             <a:r>
-              <a:rPr lang="en-US" dirty="0" smtClean="0"/>
+              <a:rPr lang="en-US" dirty="0"/>
               <a:t>Apriori Class Diagram</a:t>
             </a:r>
-            <a:endParaRPr lang="en-US" dirty="0"/>
           </a:p>
         </p:txBody>
       </p:sp>
@@ -6120,13 +6860,6 @@
   <p:clrMapOvr>
     <a:masterClrMapping/>
   </p:clrMapOvr>
-  <p:timing>
-    <p:tnLst>
-      <p:par>
-        <p:cTn id="1" dur="indefinite" restart="never" nodeType="tmRoot"/>
-      </p:par>
-    </p:tnLst>
-  </p:timing>
 </p:sld>
 </file>
 
@@ -6168,10 +6901,9 @@
           <a:lstStyle/>
           <a:p>
             <a:r>
-              <a:rPr lang="en-US" dirty="0" smtClean="0"/>
+              <a:rPr lang="en-US" dirty="0"/>
               <a:t>Apriori Output</a:t>
             </a:r>
-            <a:endParaRPr lang="en-US" dirty="0"/>
           </a:p>
         </p:txBody>
       </p:sp>
@@ -6225,37 +6957,36 @@
           <a:lstStyle/>
           <a:p>
             <a:r>
-              <a:rPr lang="en-US" dirty="0" smtClean="0"/>
+              <a:rPr lang="en-US" dirty="0"/>
               <a:t>Input: Belgium retail market</a:t>
             </a:r>
           </a:p>
           <a:p>
-            <a:endParaRPr lang="en-US" dirty="0" smtClean="0"/>
-          </a:p>
-          <a:p>
-            <a:r>
-              <a:rPr lang="en-US" dirty="0" smtClean="0"/>
+            <a:endParaRPr lang="en-US" dirty="0"/>
+          </a:p>
+          <a:p>
+            <a:r>
+              <a:rPr lang="en-US" dirty="0"/>
               <a:t>Min Sup: 1500</a:t>
             </a:r>
           </a:p>
           <a:p>
-            <a:endParaRPr lang="en-US" dirty="0" smtClean="0"/>
-          </a:p>
-          <a:p>
-            <a:r>
-              <a:rPr lang="en-US" dirty="0" smtClean="0"/>
+            <a:endParaRPr lang="en-US" dirty="0"/>
+          </a:p>
+          <a:p>
+            <a:r>
+              <a:rPr lang="en-US" dirty="0"/>
               <a:t>Children: 5</a:t>
             </a:r>
           </a:p>
           <a:p>
-            <a:endParaRPr lang="en-US" dirty="0" smtClean="0"/>
-          </a:p>
-          <a:p>
-            <a:r>
-              <a:rPr lang="en-US" dirty="0" smtClean="0"/>
+            <a:endParaRPr lang="en-US" dirty="0"/>
+          </a:p>
+          <a:p>
+            <a:r>
+              <a:rPr lang="en-US" dirty="0"/>
               <a:t>Bucket Size: 3</a:t>
             </a:r>
-            <a:endParaRPr lang="en-US" dirty="0"/>
           </a:p>
         </p:txBody>
       </p:sp>
@@ -6269,13 +7000,6 @@
   <p:clrMapOvr>
     <a:masterClrMapping/>
   </p:clrMapOvr>
-  <p:timing>
-    <p:tnLst>
-      <p:par>
-        <p:cTn id="1" dur="indefinite" restart="never" nodeType="tmRoot"/>
-      </p:par>
-    </p:tnLst>
-  </p:timing>
 </p:sld>
 </file>
 
@@ -6317,10 +7041,9 @@
           <a:lstStyle/>
           <a:p>
             <a:r>
-              <a:rPr lang="en-US" dirty="0" smtClean="0"/>
+              <a:rPr lang="en-US" dirty="0"/>
               <a:t>ID3</a:t>
             </a:r>
-            <a:endParaRPr lang="en-US" dirty="0"/>
           </a:p>
         </p:txBody>
       </p:sp>
@@ -6345,54 +7068,53 @@
           <a:lstStyle/>
           <a:p>
             <a:r>
-              <a:rPr lang="en-US" dirty="0" smtClean="0"/>
+              <a:rPr lang="en-US" dirty="0"/>
               <a:t>Parameters</a:t>
             </a:r>
           </a:p>
           <a:p>
-            <a:endParaRPr lang="en-US" dirty="0" smtClean="0"/>
+            <a:endParaRPr lang="en-US" dirty="0"/>
           </a:p>
           <a:p>
             <a:pPr lvl="1"/>
             <a:r>
-              <a:rPr lang="en-US" dirty="0" err="1" smtClean="0"/>
+              <a:rPr lang="en-US" dirty="0" err="1"/>
               <a:t>Param</a:t>
             </a:r>
             <a:r>
-              <a:rPr lang="en-US" dirty="0" smtClean="0"/>
+              <a:rPr lang="en-US" dirty="0"/>
               <a:t> 1 (required)</a:t>
             </a:r>
           </a:p>
           <a:p>
             <a:pPr lvl="1"/>
-            <a:endParaRPr lang="en-US" dirty="0" smtClean="0"/>
+            <a:endParaRPr lang="en-US" dirty="0"/>
           </a:p>
           <a:p>
             <a:pPr lvl="1"/>
             <a:r>
-              <a:rPr lang="en-US" dirty="0" err="1" smtClean="0"/>
+              <a:rPr lang="en-US" dirty="0" err="1"/>
               <a:t>Param</a:t>
             </a:r>
             <a:r>
-              <a:rPr lang="en-US" dirty="0" smtClean="0"/>
+              <a:rPr lang="en-US" dirty="0"/>
               <a:t> 2</a:t>
             </a:r>
           </a:p>
           <a:p>
             <a:pPr lvl="1"/>
-            <a:endParaRPr lang="en-US" dirty="0" smtClean="0"/>
+            <a:endParaRPr lang="en-US" dirty="0"/>
           </a:p>
           <a:p>
             <a:pPr lvl="1"/>
             <a:r>
-              <a:rPr lang="en-US" dirty="0" err="1" smtClean="0"/>
+              <a:rPr lang="en-US" dirty="0" err="1"/>
               <a:t>Param</a:t>
             </a:r>
             <a:r>
-              <a:rPr lang="en-US" dirty="0" smtClean="0"/>
+              <a:rPr lang="en-US" dirty="0"/>
               <a:t> 3</a:t>
             </a:r>
-            <a:endParaRPr lang="en-US" dirty="0"/>
           </a:p>
         </p:txBody>
       </p:sp>
@@ -6406,13 +7128,6 @@
   <p:clrMapOvr>
     <a:masterClrMapping/>
   </p:clrMapOvr>
-  <p:timing>
-    <p:tnLst>
-      <p:par>
-        <p:cTn id="1" dur="indefinite" restart="never" nodeType="tmRoot"/>
-      </p:par>
-    </p:tnLst>
-  </p:timing>
 </p:sld>
 </file>
 
@@ -6454,10 +7169,9 @@
           <a:lstStyle/>
           <a:p>
             <a:r>
-              <a:rPr lang="en-US" dirty="0" smtClean="0"/>
+              <a:rPr lang="en-US" dirty="0"/>
               <a:t>ID3 Output</a:t>
             </a:r>
-            <a:endParaRPr lang="en-US" dirty="0"/>
           </a:p>
         </p:txBody>
       </p:sp>
@@ -6511,37 +7225,36 @@
           <a:lstStyle/>
           <a:p>
             <a:r>
-              <a:rPr lang="en-US" dirty="0" smtClean="0"/>
+              <a:rPr lang="en-US" dirty="0"/>
               <a:t>Input: Some Input</a:t>
             </a:r>
           </a:p>
           <a:p>
-            <a:endParaRPr lang="en-US" dirty="0" smtClean="0"/>
-          </a:p>
-          <a:p>
-            <a:r>
-              <a:rPr lang="en-US" dirty="0" smtClean="0"/>
+            <a:endParaRPr lang="en-US" dirty="0"/>
+          </a:p>
+          <a:p>
+            <a:r>
+              <a:rPr lang="en-US" dirty="0"/>
               <a:t>Parameters</a:t>
             </a:r>
           </a:p>
           <a:p>
-            <a:endParaRPr lang="en-US" dirty="0" smtClean="0"/>
-          </a:p>
-          <a:p>
-            <a:r>
-              <a:rPr lang="en-US" dirty="0" smtClean="0"/>
+            <a:endParaRPr lang="en-US" dirty="0"/>
+          </a:p>
+          <a:p>
+            <a:r>
+              <a:rPr lang="en-US" dirty="0"/>
               <a:t>Other Info</a:t>
             </a:r>
           </a:p>
           <a:p>
-            <a:endParaRPr lang="en-US" dirty="0" smtClean="0"/>
-          </a:p>
-          <a:p>
-            <a:r>
-              <a:rPr lang="en-US" dirty="0" smtClean="0"/>
+            <a:endParaRPr lang="en-US" dirty="0"/>
+          </a:p>
+          <a:p>
+            <a:r>
+              <a:rPr lang="en-US" dirty="0"/>
               <a:t>Whatever</a:t>
             </a:r>
-            <a:endParaRPr lang="en-US" dirty="0"/>
           </a:p>
         </p:txBody>
       </p:sp>
@@ -6555,13 +7268,6 @@
   <p:clrMapOvr>
     <a:masterClrMapping/>
   </p:clrMapOvr>
-  <p:timing>
-    <p:tnLst>
-      <p:par>
-        <p:cTn id="1" dur="indefinite" restart="never" nodeType="tmRoot"/>
-      </p:par>
-    </p:tnLst>
-  </p:timing>
 </p:sld>
 </file>
 
@@ -6603,10 +7309,9 @@
           <a:lstStyle/>
           <a:p>
             <a:r>
-              <a:rPr lang="en-US" dirty="0" smtClean="0"/>
+              <a:rPr lang="en-US" dirty="0"/>
               <a:t>X-means</a:t>
             </a:r>
-            <a:endParaRPr lang="en-US" dirty="0"/>
           </a:p>
         </p:txBody>
       </p:sp>
@@ -6631,54 +7336,41 @@
           <a:lstStyle/>
           <a:p>
             <a:r>
-              <a:rPr lang="en-US" dirty="0" smtClean="0"/>
+              <a:rPr lang="en-US" dirty="0"/>
               <a:t>Parameters</a:t>
             </a:r>
           </a:p>
           <a:p>
-            <a:endParaRPr lang="en-US" dirty="0" smtClean="0"/>
+            <a:endParaRPr lang="en-US" dirty="0"/>
           </a:p>
           <a:p>
             <a:pPr lvl="1"/>
             <a:r>
-              <a:rPr lang="en-US" dirty="0" err="1" smtClean="0"/>
-              <a:t>Param</a:t>
-            </a:r>
-            <a:r>
-              <a:rPr lang="en-US" dirty="0" smtClean="0"/>
-              <a:t> 1 (required)</a:t>
+              <a:rPr lang="en-US" dirty="0"/>
+              <a:t>Dataset </a:t>
             </a:r>
           </a:p>
           <a:p>
             <a:pPr lvl="1"/>
-            <a:endParaRPr lang="en-US" dirty="0" smtClean="0"/>
+            <a:endParaRPr lang="en-US" dirty="0"/>
           </a:p>
           <a:p>
             <a:pPr lvl="1"/>
             <a:r>
-              <a:rPr lang="en-US" dirty="0" err="1" smtClean="0"/>
-              <a:t>Param</a:t>
-            </a:r>
-            <a:r>
-              <a:rPr lang="en-US" dirty="0" smtClean="0"/>
-              <a:t> 2</a:t>
+              <a:rPr lang="en-US" dirty="0"/>
+              <a:t>Range true K is in</a:t>
             </a:r>
           </a:p>
           <a:p>
             <a:pPr lvl="1"/>
-            <a:endParaRPr lang="en-US" dirty="0" smtClean="0"/>
+            <a:endParaRPr lang="en-US" dirty="0"/>
           </a:p>
           <a:p>
             <a:pPr lvl="1"/>
             <a:r>
-              <a:rPr lang="en-US" dirty="0" err="1" smtClean="0"/>
-              <a:t>Param</a:t>
-            </a:r>
-            <a:r>
-              <a:rPr lang="en-US" dirty="0" smtClean="0"/>
-              <a:t> 3</a:t>
-            </a:r>
-            <a:endParaRPr lang="en-US" dirty="0"/>
+              <a:rPr lang="en-US" dirty="0"/>
+              <a:t>Max number of K mean loops, optional </a:t>
+            </a:r>
           </a:p>
         </p:txBody>
       </p:sp>
@@ -6692,13 +7384,6 @@
   <p:clrMapOvr>
     <a:masterClrMapping/>
   </p:clrMapOvr>
-  <p:timing>
-    <p:tnLst>
-      <p:par>
-        <p:cTn id="1" dur="indefinite" restart="never" nodeType="tmRoot"/>
-      </p:par>
-    </p:tnLst>
-  </p:timing>
 </p:sld>
 </file>
 
@@ -6731,123 +7416,70 @@
         </p:nvSpPr>
         <p:spPr>
           <a:xfrm>
-            <a:off x="1141411" y="1600200"/>
-            <a:ext cx="3549121" cy="512135"/>
-          </a:xfrm>
-        </p:spPr>
-        <p:txBody>
-          <a:bodyPr/>
-          <a:lstStyle/>
-          <a:p>
-            <a:r>
-              <a:rPr lang="en-US" dirty="0" smtClean="0"/>
-              <a:t>X-Means Output</a:t>
-            </a:r>
-            <a:endParaRPr lang="en-US" dirty="0"/>
-          </a:p>
-        </p:txBody>
-      </p:sp>
-      <p:pic>
-        <p:nvPicPr>
-          <p:cNvPr id="4" name="Content Placeholder 3"/>
-          <p:cNvPicPr>
-            <a:picLocks noGrp="1" noChangeAspect="1"/>
-          </p:cNvPicPr>
+            <a:off x="1141413" y="1041991"/>
+            <a:ext cx="9905998" cy="1049079"/>
+          </a:xfrm>
+        </p:spPr>
+        <p:txBody>
+          <a:bodyPr/>
+          <a:lstStyle/>
+          <a:p>
+            <a:r>
+              <a:rPr lang="en-US" dirty="0"/>
+              <a:t>What X-means Does</a:t>
+            </a:r>
+          </a:p>
+        </p:txBody>
+      </p:sp>
+      <p:sp>
+        <p:nvSpPr>
+          <p:cNvPr id="3" name="Content Placeholder 2"/>
+          <p:cNvSpPr>
+            <a:spLocks noGrp="1"/>
+          </p:cNvSpPr>
           <p:nvPr>
             <p:ph idx="1"/>
           </p:nvPr>
-        </p:nvPicPr>
-        <p:blipFill>
-          <a:blip r:embed="rId2">
-            <a:extLst>
-              <a:ext uri="{28A0092B-C50C-407E-A947-70E740481C1C}">
-                <a14:useLocalDpi xmlns:a14="http://schemas.microsoft.com/office/drawing/2010/main" val="0"/>
-              </a:ext>
-            </a:extLst>
-          </a:blip>
-          <a:stretch>
-            <a:fillRect/>
-          </a:stretch>
-        </p:blipFill>
-        <p:spPr>
-          <a:xfrm>
-            <a:off x="5103813" y="708187"/>
-            <a:ext cx="5943600" cy="4984425"/>
-          </a:xfrm>
-        </p:spPr>
-      </p:pic>
-      <p:sp>
-        <p:nvSpPr>
-          <p:cNvPr id="6" name="Text Placeholder 5"/>
-          <p:cNvSpPr>
-            <a:spLocks noGrp="1"/>
-          </p:cNvSpPr>
-          <p:nvPr>
-            <p:ph type="body" sz="half" idx="2"/>
-          </p:nvPr>
-        </p:nvSpPr>
-        <p:spPr>
-          <a:xfrm>
-            <a:off x="1141411" y="2317898"/>
-            <a:ext cx="3549121" cy="2977116"/>
-          </a:xfrm>
-        </p:spPr>
-        <p:txBody>
-          <a:bodyPr/>
-          <a:lstStyle/>
-          <a:p>
-            <a:r>
-              <a:rPr lang="en-US" dirty="0" smtClean="0"/>
-              <a:t>Input: Some Input</a:t>
-            </a:r>
-          </a:p>
-          <a:p>
-            <a:endParaRPr lang="en-US" dirty="0" smtClean="0"/>
-          </a:p>
-          <a:p>
-            <a:r>
-              <a:rPr lang="en-US" dirty="0" smtClean="0"/>
-              <a:t>Parameters</a:t>
-            </a:r>
-          </a:p>
-          <a:p>
-            <a:endParaRPr lang="en-US" dirty="0" smtClean="0"/>
-          </a:p>
-          <a:p>
-            <a:r>
-              <a:rPr lang="en-US" dirty="0" smtClean="0"/>
-              <a:t>Other Info</a:t>
-            </a:r>
-          </a:p>
-          <a:p>
-            <a:endParaRPr lang="en-US" dirty="0" smtClean="0"/>
-          </a:p>
-          <a:p>
-            <a:r>
-              <a:rPr lang="en-US" dirty="0" smtClean="0"/>
-              <a:t>Whatever</a:t>
-            </a:r>
-            <a:endParaRPr lang="en-US" dirty="0"/>
+        </p:nvSpPr>
+        <p:spPr>
+          <a:xfrm>
+            <a:off x="1141413" y="2197395"/>
+            <a:ext cx="9905998" cy="3593805"/>
+          </a:xfrm>
+        </p:spPr>
+        <p:txBody>
+          <a:bodyPr/>
+          <a:lstStyle/>
+          <a:p>
+            <a:r>
+              <a:rPr lang="en-US" dirty="0"/>
+              <a:t>Improves on K-Means by letting K be a range of numbers </a:t>
+            </a:r>
+          </a:p>
+          <a:p>
+            <a:r>
+              <a:rPr lang="en-US" dirty="0"/>
+              <a:t> Helps the problem of finding only the local minima </a:t>
+            </a:r>
+          </a:p>
+          <a:p>
+            <a:r>
+              <a:rPr lang="en-US" dirty="0"/>
+              <a:t>Can be sped up using K-D trees</a:t>
+            </a:r>
           </a:p>
         </p:txBody>
       </p:sp>
     </p:spTree>
     <p:extLst>
       <p:ext uri="{BB962C8B-B14F-4D97-AF65-F5344CB8AC3E}">
-        <p14:creationId xmlns:p14="http://schemas.microsoft.com/office/powerpoint/2010/main" val="1032493634"/>
+        <p14:creationId xmlns:p14="http://schemas.microsoft.com/office/powerpoint/2010/main" val="3217976806"/>
       </p:ext>
     </p:extLst>
   </p:cSld>
   <p:clrMapOvr>
     <a:masterClrMapping/>
   </p:clrMapOvr>
-  <p:timing>
-    <p:tnLst>
-      <p:par>
-        <p:cTn id="1" dur="indefinite" restart="never" nodeType="tmRoot"/>
-      </p:par>
-    </p:tnLst>
-  </p:timing>
 </p:sld>
 </file>
 

--- a/DataMiningProject/docs/presentation.pptx
+++ b/DataMiningProject/docs/presentation.pptx
@@ -9,18 +9,25 @@
     <p:sldId id="257" r:id="rId3"/>
     <p:sldId id="258" r:id="rId4"/>
     <p:sldId id="264" r:id="rId5"/>
-    <p:sldId id="259" r:id="rId6"/>
-    <p:sldId id="260" r:id="rId7"/>
-    <p:sldId id="261" r:id="rId8"/>
-    <p:sldId id="262" r:id="rId9"/>
-    <p:sldId id="266" r:id="rId10"/>
-    <p:sldId id="267" r:id="rId11"/>
-    <p:sldId id="268" r:id="rId12"/>
-    <p:sldId id="270" r:id="rId13"/>
-    <p:sldId id="271" r:id="rId14"/>
-    <p:sldId id="272" r:id="rId15"/>
-    <p:sldId id="273" r:id="rId16"/>
-    <p:sldId id="274" r:id="rId17"/>
+    <p:sldId id="282" r:id="rId6"/>
+    <p:sldId id="283" r:id="rId7"/>
+    <p:sldId id="259" r:id="rId8"/>
+    <p:sldId id="275" r:id="rId9"/>
+    <p:sldId id="276" r:id="rId10"/>
+    <p:sldId id="280" r:id="rId11"/>
+    <p:sldId id="277" r:id="rId12"/>
+    <p:sldId id="278" r:id="rId13"/>
+    <p:sldId id="281" r:id="rId14"/>
+    <p:sldId id="261" r:id="rId15"/>
+    <p:sldId id="262" r:id="rId16"/>
+    <p:sldId id="266" r:id="rId17"/>
+    <p:sldId id="267" r:id="rId18"/>
+    <p:sldId id="268" r:id="rId19"/>
+    <p:sldId id="270" r:id="rId20"/>
+    <p:sldId id="271" r:id="rId21"/>
+    <p:sldId id="272" r:id="rId22"/>
+    <p:sldId id="273" r:id="rId23"/>
+    <p:sldId id="274" r:id="rId24"/>
   </p:sldIdLst>
   <p:sldSz cx="12192000" cy="6858000"/>
   <p:notesSz cx="6858000" cy="9144000"/>
@@ -132,12 +139,19 @@
           <p14:sldIdLst>
             <p14:sldId id="258"/>
             <p14:sldId id="264"/>
+            <p14:sldId id="282"/>
+            <p14:sldId id="283"/>
             <p14:sldId id="259"/>
           </p14:sldIdLst>
         </p14:section>
         <p14:section name="ID3" id="{6B816721-07E9-457C-B1F7-AA365E26E3A0}">
           <p14:sldIdLst>
-            <p14:sldId id="260"/>
+            <p14:sldId id="275"/>
+            <p14:sldId id="276"/>
+            <p14:sldId id="280"/>
+            <p14:sldId id="277"/>
+            <p14:sldId id="278"/>
+            <p14:sldId id="281"/>
             <p14:sldId id="261"/>
           </p14:sldIdLst>
         </p14:section>
@@ -5774,6 +5788,13 @@
   <p:clrMapOvr>
     <a:masterClrMapping/>
   </p:clrMapOvr>
+  <p:timing>
+    <p:tnLst>
+      <p:par>
+        <p:cTn id="1" dur="indefinite" restart="never" nodeType="tmRoot"/>
+      </p:par>
+    </p:tnLst>
+  </p:timing>
 </p:sld>
 </file>
 
@@ -5806,54 +5827,150 @@
         </p:nvSpPr>
         <p:spPr>
           <a:xfrm>
-            <a:off x="1141413" y="135980"/>
-            <a:ext cx="9905998" cy="1049079"/>
-          </a:xfrm>
-        </p:spPr>
-        <p:txBody>
-          <a:bodyPr/>
-          <a:lstStyle/>
-          <a:p>
-            <a:r>
-              <a:rPr lang="en-US" dirty="0"/>
-              <a:t>What X-means Does</a:t>
-            </a:r>
+            <a:off x="603681" y="1046292"/>
+            <a:ext cx="3768969" cy="707048"/>
+          </a:xfrm>
+        </p:spPr>
+        <p:txBody>
+          <a:bodyPr>
+            <a:normAutofit/>
+          </a:bodyPr>
+          <a:lstStyle/>
+          <a:p>
+            <a:r>
+              <a:rPr lang="en-US" dirty="0" smtClean="0"/>
+              <a:t>Information Gain</a:t>
+            </a:r>
+            <a:endParaRPr lang="en-US" dirty="0"/>
           </a:p>
         </p:txBody>
       </p:sp>
       <p:pic>
         <p:nvPicPr>
-          <p:cNvPr id="4" name="Content Placeholder 3"/>
+          <p:cNvPr id="5" name="Picture Placeholder 4"/>
           <p:cNvPicPr>
             <a:picLocks noGrp="1" noChangeAspect="1"/>
           </p:cNvPicPr>
           <p:nvPr>
-            <p:ph idx="1"/>
-          </p:nvPr>
+            <p:ph type="pic" idx="1"/>
+          </p:nvPr>
+        </p:nvPicPr>
+        <p:blipFill rotWithShape="1">
+          <a:blip r:embed="rId2">
+            <a:extLst>
+              <a:ext uri="{28A0092B-C50C-407E-A947-70E740481C1C}">
+                <a14:useLocalDpi xmlns:a14="http://schemas.microsoft.com/office/drawing/2010/main" val="0"/>
+              </a:ext>
+            </a:extLst>
+          </a:blip>
+          <a:srcRect r="19494" b="4597"/>
+          <a:stretch/>
+        </p:blipFill>
+        <p:spPr>
+          <a:xfrm>
+            <a:off x="5018842" y="0"/>
+            <a:ext cx="7173158" cy="6891489"/>
+          </a:xfrm>
+        </p:spPr>
+      </p:pic>
+      <p:pic>
+        <p:nvPicPr>
+          <p:cNvPr id="3" name="Picture 2"/>
+          <p:cNvPicPr>
+            <a:picLocks noChangeAspect="1"/>
+          </p:cNvPicPr>
+          <p:nvPr/>
         </p:nvPicPr>
         <p:blipFill>
-          <a:blip r:embed="rId2"/>
+          <a:blip r:embed="rId3">
+            <a:extLst>
+              <a:ext uri="{28A0092B-C50C-407E-A947-70E740481C1C}">
+                <a14:useLocalDpi xmlns:a14="http://schemas.microsoft.com/office/drawing/2010/main" val="0"/>
+              </a:ext>
+            </a:extLst>
+          </a:blip>
           <a:stretch>
             <a:fillRect/>
           </a:stretch>
         </p:blipFill>
         <p:spPr>
           <a:xfrm>
-            <a:off x="86114" y="980696"/>
-            <a:ext cx="7858260" cy="5902127"/>
-          </a:xfrm>
+            <a:off x="481811" y="2103316"/>
+            <a:ext cx="4012707" cy="724456"/>
+          </a:xfrm>
+          <a:prstGeom prst="rect">
+            <a:avLst/>
+          </a:prstGeom>
         </p:spPr>
       </p:pic>
+      <p:sp>
+        <p:nvSpPr>
+          <p:cNvPr id="4" name="TextBox 3"/>
+          <p:cNvSpPr txBox="1"/>
+          <p:nvPr/>
+        </p:nvSpPr>
+        <p:spPr>
+          <a:xfrm>
+            <a:off x="942908" y="3355760"/>
+            <a:ext cx="3752838" cy="923330"/>
+          </a:xfrm>
+          <a:prstGeom prst="rect">
+            <a:avLst/>
+          </a:prstGeom>
+          <a:noFill/>
+        </p:spPr>
+        <p:txBody>
+          <a:bodyPr wrap="square" rtlCol="0">
+            <a:spAutoFit/>
+          </a:bodyPr>
+          <a:lstStyle/>
+          <a:p>
+            <a:r>
+              <a:rPr lang="en-US" dirty="0" smtClean="0"/>
+              <a:t>Info(D) = entropy</a:t>
+            </a:r>
+          </a:p>
+          <a:p>
+            <a:endParaRPr lang="en-US" dirty="0" smtClean="0"/>
+          </a:p>
+          <a:p>
+            <a:r>
+              <a:rPr lang="en-US" dirty="0" err="1" smtClean="0"/>
+              <a:t>Info</a:t>
+            </a:r>
+            <a:r>
+              <a:rPr lang="en-US" baseline="-25000" dirty="0" err="1" smtClean="0"/>
+              <a:t>A</a:t>
+            </a:r>
+            <a:r>
+              <a:rPr lang="en-US" dirty="0" smtClean="0"/>
+              <a:t>(D) = </a:t>
+            </a:r>
+            <a:r>
+              <a:rPr lang="en-US" dirty="0" err="1" smtClean="0"/>
+              <a:t>entropyAfterSplit</a:t>
+            </a:r>
+            <a:endParaRPr lang="en-US" dirty="0"/>
+          </a:p>
+        </p:txBody>
+      </p:sp>
     </p:spTree>
     <p:extLst>
       <p:ext uri="{BB962C8B-B14F-4D97-AF65-F5344CB8AC3E}">
-        <p14:creationId xmlns:p14="http://schemas.microsoft.com/office/powerpoint/2010/main" val="552237662"/>
+        <p14:creationId xmlns:p14="http://schemas.microsoft.com/office/powerpoint/2010/main" val="2445481632"/>
       </p:ext>
     </p:extLst>
   </p:cSld>
   <p:clrMapOvr>
     <a:masterClrMapping/>
   </p:clrMapOvr>
+  <p:timing>
+    <p:tnLst>
+      <p:par>
+        <p:cTn id="1" dur="indefinite" restart="never" nodeType="tmRoot"/>
+      </p:par>
+    </p:tnLst>
+  </p:timing>
 </p:sld>
 </file>
 
@@ -5886,6 +6003,865 @@
         </p:nvSpPr>
         <p:spPr>
           <a:xfrm>
+            <a:off x="1575389" y="4531716"/>
+            <a:ext cx="3768969" cy="707048"/>
+          </a:xfrm>
+        </p:spPr>
+        <p:txBody>
+          <a:bodyPr>
+            <a:normAutofit/>
+          </a:bodyPr>
+          <a:lstStyle/>
+          <a:p>
+            <a:r>
+              <a:rPr lang="en-US" dirty="0" smtClean="0"/>
+              <a:t>Information Gain</a:t>
+            </a:r>
+            <a:endParaRPr lang="en-US" dirty="0"/>
+          </a:p>
+        </p:txBody>
+      </p:sp>
+      <p:pic>
+        <p:nvPicPr>
+          <p:cNvPr id="5" name="Picture Placeholder 4"/>
+          <p:cNvPicPr>
+            <a:picLocks noGrp="1" noChangeAspect="1"/>
+          </p:cNvPicPr>
+          <p:nvPr>
+            <p:ph type="pic" idx="1"/>
+          </p:nvPr>
+        </p:nvPicPr>
+        <p:blipFill rotWithShape="1">
+          <a:blip r:embed="rId2">
+            <a:extLst>
+              <a:ext uri="{28A0092B-C50C-407E-A947-70E740481C1C}">
+                <a14:useLocalDpi xmlns:a14="http://schemas.microsoft.com/office/drawing/2010/main" val="0"/>
+              </a:ext>
+            </a:extLst>
+          </a:blip>
+          <a:srcRect t="-209" b="-113"/>
+          <a:stretch/>
+        </p:blipFill>
+        <p:spPr>
+          <a:xfrm>
+            <a:off x="660265" y="0"/>
+            <a:ext cx="10909300" cy="3870663"/>
+          </a:xfrm>
+        </p:spPr>
+      </p:pic>
+      <p:pic>
+        <p:nvPicPr>
+          <p:cNvPr id="6" name="Picture 5"/>
+          <p:cNvPicPr>
+            <a:picLocks noChangeAspect="1"/>
+          </p:cNvPicPr>
+          <p:nvPr/>
+        </p:nvPicPr>
+        <p:blipFill>
+          <a:blip r:embed="rId3">
+            <a:extLst>
+              <a:ext uri="{28A0092B-C50C-407E-A947-70E740481C1C}">
+                <a14:useLocalDpi xmlns:a14="http://schemas.microsoft.com/office/drawing/2010/main" val="0"/>
+              </a:ext>
+            </a:extLst>
+          </a:blip>
+          <a:stretch>
+            <a:fillRect/>
+          </a:stretch>
+        </p:blipFill>
+        <p:spPr>
+          <a:xfrm>
+            <a:off x="5699466" y="4242857"/>
+            <a:ext cx="4580877" cy="1338032"/>
+          </a:xfrm>
+          <a:prstGeom prst="rect">
+            <a:avLst/>
+          </a:prstGeom>
+        </p:spPr>
+      </p:pic>
+    </p:spTree>
+    <p:extLst>
+      <p:ext uri="{BB962C8B-B14F-4D97-AF65-F5344CB8AC3E}">
+        <p14:creationId xmlns:p14="http://schemas.microsoft.com/office/powerpoint/2010/main" val="1202358216"/>
+      </p:ext>
+    </p:extLst>
+  </p:cSld>
+  <p:clrMapOvr>
+    <a:masterClrMapping/>
+  </p:clrMapOvr>
+  <p:timing>
+    <p:tnLst>
+      <p:par>
+        <p:cTn id="1" dur="indefinite" restart="never" nodeType="tmRoot"/>
+      </p:par>
+    </p:tnLst>
+  </p:timing>
+</p:sld>
+</file>
+
+<file path=ppt/slides/slide12.xml><?xml version="1.0" encoding="utf-8"?>
+<p:sld xmlns:a="http://schemas.openxmlformats.org/drawingml/2006/main" xmlns:r="http://schemas.openxmlformats.org/officeDocument/2006/relationships" xmlns:p="http://schemas.openxmlformats.org/presentationml/2006/main">
+  <p:cSld>
+    <p:spTree>
+      <p:nvGrpSpPr>
+        <p:cNvPr id="1" name=""/>
+        <p:cNvGrpSpPr/>
+        <p:nvPr/>
+      </p:nvGrpSpPr>
+      <p:grpSpPr>
+        <a:xfrm>
+          <a:off x="0" y="0"/>
+          <a:ext cx="0" cy="0"/>
+          <a:chOff x="0" y="0"/>
+          <a:chExt cx="0" cy="0"/>
+        </a:xfrm>
+      </p:grpSpPr>
+      <p:sp>
+        <p:nvSpPr>
+          <p:cNvPr id="2" name="Title 1"/>
+          <p:cNvSpPr>
+            <a:spLocks noGrp="1"/>
+          </p:cNvSpPr>
+          <p:nvPr>
+            <p:ph type="title"/>
+          </p:nvPr>
+        </p:nvSpPr>
+        <p:spPr>
+          <a:xfrm>
+            <a:off x="1264670" y="5863366"/>
+            <a:ext cx="3768969" cy="707048"/>
+          </a:xfrm>
+        </p:spPr>
+        <p:txBody>
+          <a:bodyPr>
+            <a:normAutofit/>
+          </a:bodyPr>
+          <a:lstStyle/>
+          <a:p>
+            <a:r>
+              <a:rPr lang="en-US" dirty="0" smtClean="0"/>
+              <a:t>Information Gain</a:t>
+            </a:r>
+            <a:endParaRPr lang="en-US" dirty="0"/>
+          </a:p>
+        </p:txBody>
+      </p:sp>
+      <p:pic>
+        <p:nvPicPr>
+          <p:cNvPr id="5" name="Picture Placeholder 4"/>
+          <p:cNvPicPr>
+            <a:picLocks noGrp="1" noChangeAspect="1"/>
+          </p:cNvPicPr>
+          <p:nvPr>
+            <p:ph type="pic" idx="1"/>
+          </p:nvPr>
+        </p:nvPicPr>
+        <p:blipFill>
+          <a:blip r:embed="rId2">
+            <a:extLst>
+              <a:ext uri="{28A0092B-C50C-407E-A947-70E740481C1C}">
+                <a14:useLocalDpi xmlns:a14="http://schemas.microsoft.com/office/drawing/2010/main" val="0"/>
+              </a:ext>
+            </a:extLst>
+          </a:blip>
+          <a:stretch>
+            <a:fillRect/>
+          </a:stretch>
+        </p:blipFill>
+        <p:spPr>
+          <a:xfrm>
+            <a:off x="692917" y="0"/>
+            <a:ext cx="10768155" cy="5644051"/>
+          </a:xfrm>
+        </p:spPr>
+      </p:pic>
+      <p:pic>
+        <p:nvPicPr>
+          <p:cNvPr id="3" name="Picture 2"/>
+          <p:cNvPicPr>
+            <a:picLocks noChangeAspect="1"/>
+          </p:cNvPicPr>
+          <p:nvPr/>
+        </p:nvPicPr>
+        <p:blipFill>
+          <a:blip r:embed="rId3">
+            <a:extLst>
+              <a:ext uri="{28A0092B-C50C-407E-A947-70E740481C1C}">
+                <a14:useLocalDpi xmlns:a14="http://schemas.microsoft.com/office/drawing/2010/main" val="0"/>
+              </a:ext>
+            </a:extLst>
+          </a:blip>
+          <a:stretch>
+            <a:fillRect/>
+          </a:stretch>
+        </p:blipFill>
+        <p:spPr>
+          <a:xfrm>
+            <a:off x="5823752" y="5261763"/>
+            <a:ext cx="4761390" cy="1203207"/>
+          </a:xfrm>
+          <a:prstGeom prst="rect">
+            <a:avLst/>
+          </a:prstGeom>
+        </p:spPr>
+      </p:pic>
+    </p:spTree>
+    <p:extLst>
+      <p:ext uri="{BB962C8B-B14F-4D97-AF65-F5344CB8AC3E}">
+        <p14:creationId xmlns:p14="http://schemas.microsoft.com/office/powerpoint/2010/main" val="1477431824"/>
+      </p:ext>
+    </p:extLst>
+  </p:cSld>
+  <p:clrMapOvr>
+    <a:masterClrMapping/>
+  </p:clrMapOvr>
+  <p:timing>
+    <p:tnLst>
+      <p:par>
+        <p:cTn id="1" dur="indefinite" restart="never" nodeType="tmRoot"/>
+      </p:par>
+    </p:tnLst>
+  </p:timing>
+</p:sld>
+</file>
+
+<file path=ppt/slides/slide13.xml><?xml version="1.0" encoding="utf-8"?>
+<p:sld xmlns:a="http://schemas.openxmlformats.org/drawingml/2006/main" xmlns:r="http://schemas.openxmlformats.org/officeDocument/2006/relationships" xmlns:p="http://schemas.openxmlformats.org/presentationml/2006/main">
+  <p:cSld>
+    <p:spTree>
+      <p:nvGrpSpPr>
+        <p:cNvPr id="1" name=""/>
+        <p:cNvGrpSpPr/>
+        <p:nvPr/>
+      </p:nvGrpSpPr>
+      <p:grpSpPr>
+        <a:xfrm>
+          <a:off x="0" y="0"/>
+          <a:ext cx="0" cy="0"/>
+          <a:chOff x="0" y="0"/>
+          <a:chExt cx="0" cy="0"/>
+        </a:xfrm>
+      </p:grpSpPr>
+      <p:sp>
+        <p:nvSpPr>
+          <p:cNvPr id="2" name="Title 1"/>
+          <p:cNvSpPr>
+            <a:spLocks noGrp="1"/>
+          </p:cNvSpPr>
+          <p:nvPr>
+            <p:ph type="title"/>
+          </p:nvPr>
+        </p:nvSpPr>
+        <p:spPr>
+          <a:xfrm>
+            <a:off x="761729" y="4584982"/>
+            <a:ext cx="3129776" cy="707048"/>
+          </a:xfrm>
+        </p:spPr>
+        <p:txBody>
+          <a:bodyPr>
+            <a:normAutofit/>
+          </a:bodyPr>
+          <a:lstStyle/>
+          <a:p>
+            <a:r>
+              <a:rPr lang="en-US" dirty="0" smtClean="0"/>
+              <a:t>Node: Classify</a:t>
+            </a:r>
+            <a:endParaRPr lang="en-US" dirty="0"/>
+          </a:p>
+        </p:txBody>
+      </p:sp>
+      <p:pic>
+        <p:nvPicPr>
+          <p:cNvPr id="5" name="Picture Placeholder 4"/>
+          <p:cNvPicPr>
+            <a:picLocks noGrp="1" noChangeAspect="1"/>
+          </p:cNvPicPr>
+          <p:nvPr>
+            <p:ph type="pic" idx="1"/>
+          </p:nvPr>
+        </p:nvPicPr>
+        <p:blipFill>
+          <a:blip r:embed="rId2">
+            <a:extLst>
+              <a:ext uri="{28A0092B-C50C-407E-A947-70E740481C1C}">
+                <a14:useLocalDpi xmlns:a14="http://schemas.microsoft.com/office/drawing/2010/main" val="0"/>
+              </a:ext>
+            </a:extLst>
+          </a:blip>
+          <a:stretch>
+            <a:fillRect/>
+          </a:stretch>
+        </p:blipFill>
+        <p:spPr>
+          <a:xfrm>
+            <a:off x="584176" y="79900"/>
+            <a:ext cx="11402640" cy="3710142"/>
+          </a:xfrm>
+        </p:spPr>
+      </p:pic>
+      <p:pic>
+        <p:nvPicPr>
+          <p:cNvPr id="3" name="Picture 2"/>
+          <p:cNvPicPr>
+            <a:picLocks noChangeAspect="1"/>
+          </p:cNvPicPr>
+          <p:nvPr/>
+        </p:nvPicPr>
+        <p:blipFill>
+          <a:blip r:embed="rId3"/>
+          <a:stretch>
+            <a:fillRect/>
+          </a:stretch>
+        </p:blipFill>
+        <p:spPr>
+          <a:xfrm>
+            <a:off x="4347177" y="2857886"/>
+            <a:ext cx="6847565" cy="3717250"/>
+          </a:xfrm>
+          <a:prstGeom prst="rect">
+            <a:avLst/>
+          </a:prstGeom>
+        </p:spPr>
+      </p:pic>
+    </p:spTree>
+    <p:extLst>
+      <p:ext uri="{BB962C8B-B14F-4D97-AF65-F5344CB8AC3E}">
+        <p14:creationId xmlns:p14="http://schemas.microsoft.com/office/powerpoint/2010/main" val="1151239193"/>
+      </p:ext>
+    </p:extLst>
+  </p:cSld>
+  <p:clrMapOvr>
+    <a:masterClrMapping/>
+  </p:clrMapOvr>
+  <p:timing>
+    <p:tnLst>
+      <p:par>
+        <p:cTn id="1" dur="indefinite" restart="never" nodeType="tmRoot"/>
+      </p:par>
+    </p:tnLst>
+  </p:timing>
+</p:sld>
+</file>
+
+<file path=ppt/slides/slide14.xml><?xml version="1.0" encoding="utf-8"?>
+<p:sld xmlns:a="http://schemas.openxmlformats.org/drawingml/2006/main" xmlns:r="http://schemas.openxmlformats.org/officeDocument/2006/relationships" xmlns:p="http://schemas.openxmlformats.org/presentationml/2006/main">
+  <p:cSld>
+    <p:spTree>
+      <p:nvGrpSpPr>
+        <p:cNvPr id="1" name=""/>
+        <p:cNvGrpSpPr/>
+        <p:nvPr/>
+      </p:nvGrpSpPr>
+      <p:grpSpPr>
+        <a:xfrm>
+          <a:off x="0" y="0"/>
+          <a:ext cx="0" cy="0"/>
+          <a:chOff x="0" y="0"/>
+          <a:chExt cx="0" cy="0"/>
+        </a:xfrm>
+      </p:grpSpPr>
+      <p:sp>
+        <p:nvSpPr>
+          <p:cNvPr id="2" name="Title 1"/>
+          <p:cNvSpPr>
+            <a:spLocks noGrp="1"/>
+          </p:cNvSpPr>
+          <p:nvPr>
+            <p:ph type="title"/>
+          </p:nvPr>
+        </p:nvSpPr>
+        <p:spPr>
+          <a:xfrm>
+            <a:off x="925903" y="0"/>
+            <a:ext cx="2153306" cy="625549"/>
+          </a:xfrm>
+        </p:spPr>
+        <p:txBody>
+          <a:bodyPr/>
+          <a:lstStyle/>
+          <a:p>
+            <a:r>
+              <a:rPr lang="en-US" dirty="0"/>
+              <a:t>ID3 Output</a:t>
+            </a:r>
+          </a:p>
+        </p:txBody>
+      </p:sp>
+      <p:pic>
+        <p:nvPicPr>
+          <p:cNvPr id="12" name="Picture Placeholder 11"/>
+          <p:cNvPicPr>
+            <a:picLocks noGrp="1" noChangeAspect="1"/>
+          </p:cNvPicPr>
+          <p:nvPr>
+            <p:ph type="pic" idx="1"/>
+          </p:nvPr>
+        </p:nvPicPr>
+        <p:blipFill>
+          <a:blip r:embed="rId2">
+            <a:extLst>
+              <a:ext uri="{28A0092B-C50C-407E-A947-70E740481C1C}">
+                <a14:useLocalDpi xmlns:a14="http://schemas.microsoft.com/office/drawing/2010/main" val="0"/>
+              </a:ext>
+            </a:extLst>
+          </a:blip>
+          <a:srcRect l="127" r="127"/>
+          <a:stretch>
+            <a:fillRect/>
+          </a:stretch>
+        </p:blipFill>
+        <p:spPr>
+          <a:xfrm>
+            <a:off x="4054475" y="-19050"/>
+            <a:ext cx="8137525" cy="6904038"/>
+          </a:xfrm>
+        </p:spPr>
+      </p:pic>
+      <p:sp>
+        <p:nvSpPr>
+          <p:cNvPr id="6" name="Text Placeholder 5"/>
+          <p:cNvSpPr>
+            <a:spLocks noGrp="1"/>
+          </p:cNvSpPr>
+          <p:nvPr>
+            <p:ph type="body" sz="half" idx="2"/>
+          </p:nvPr>
+        </p:nvSpPr>
+        <p:spPr>
+          <a:xfrm>
+            <a:off x="483217" y="3532313"/>
+            <a:ext cx="3090347" cy="2725479"/>
+          </a:xfrm>
+        </p:spPr>
+        <p:txBody>
+          <a:bodyPr>
+            <a:normAutofit/>
+          </a:bodyPr>
+          <a:lstStyle/>
+          <a:p>
+            <a:r>
+              <a:rPr lang="en-US" dirty="0"/>
+              <a:t>Input: </a:t>
+            </a:r>
+            <a:r>
+              <a:rPr lang="en-US" dirty="0" smtClean="0"/>
+              <a:t>Student </a:t>
+            </a:r>
+            <a:r>
+              <a:rPr lang="en-US" dirty="0" smtClean="0"/>
+              <a:t>Loan Data</a:t>
+            </a:r>
+            <a:endParaRPr lang="en-US" dirty="0"/>
+          </a:p>
+          <a:p>
+            <a:endParaRPr lang="en-US" dirty="0"/>
+          </a:p>
+          <a:p>
+            <a:r>
+              <a:rPr lang="en-US" dirty="0" smtClean="0"/>
+              <a:t>Parameters</a:t>
+            </a:r>
+          </a:p>
+          <a:p>
+            <a:r>
+              <a:rPr lang="en-US" dirty="0"/>
+              <a:t>	</a:t>
+            </a:r>
+            <a:r>
+              <a:rPr lang="en-US" dirty="0" smtClean="0"/>
+              <a:t>Class Index: 4</a:t>
+            </a:r>
+            <a:endParaRPr lang="en-US" dirty="0"/>
+          </a:p>
+        </p:txBody>
+      </p:sp>
+      <p:pic>
+        <p:nvPicPr>
+          <p:cNvPr id="14" name="Picture 13"/>
+          <p:cNvPicPr>
+            <a:picLocks noChangeAspect="1"/>
+          </p:cNvPicPr>
+          <p:nvPr/>
+        </p:nvPicPr>
+        <p:blipFill>
+          <a:blip r:embed="rId3">
+            <a:extLst>
+              <a:ext uri="{28A0092B-C50C-407E-A947-70E740481C1C}">
+                <a14:useLocalDpi xmlns:a14="http://schemas.microsoft.com/office/drawing/2010/main" val="0"/>
+              </a:ext>
+            </a:extLst>
+          </a:blip>
+          <a:stretch>
+            <a:fillRect/>
+          </a:stretch>
+        </p:blipFill>
+        <p:spPr>
+          <a:xfrm>
+            <a:off x="0" y="829735"/>
+            <a:ext cx="4056782" cy="2202957"/>
+          </a:xfrm>
+          <a:prstGeom prst="rect">
+            <a:avLst/>
+          </a:prstGeom>
+        </p:spPr>
+      </p:pic>
+    </p:spTree>
+    <p:extLst>
+      <p:ext uri="{BB962C8B-B14F-4D97-AF65-F5344CB8AC3E}">
+        <p14:creationId xmlns:p14="http://schemas.microsoft.com/office/powerpoint/2010/main" val="2396371313"/>
+      </p:ext>
+    </p:extLst>
+  </p:cSld>
+  <p:clrMapOvr>
+    <a:masterClrMapping/>
+  </p:clrMapOvr>
+  <p:timing>
+    <p:tnLst>
+      <p:par>
+        <p:cTn id="1" dur="indefinite" restart="never" nodeType="tmRoot"/>
+      </p:par>
+    </p:tnLst>
+  </p:timing>
+</p:sld>
+</file>
+
+<file path=ppt/slides/slide15.xml><?xml version="1.0" encoding="utf-8"?>
+<p:sld xmlns:a="http://schemas.openxmlformats.org/drawingml/2006/main" xmlns:r="http://schemas.openxmlformats.org/officeDocument/2006/relationships" xmlns:p="http://schemas.openxmlformats.org/presentationml/2006/main">
+  <p:cSld>
+    <p:spTree>
+      <p:nvGrpSpPr>
+        <p:cNvPr id="1" name=""/>
+        <p:cNvGrpSpPr/>
+        <p:nvPr/>
+      </p:nvGrpSpPr>
+      <p:grpSpPr>
+        <a:xfrm>
+          <a:off x="0" y="0"/>
+          <a:ext cx="0" cy="0"/>
+          <a:chOff x="0" y="0"/>
+          <a:chExt cx="0" cy="0"/>
+        </a:xfrm>
+      </p:grpSpPr>
+      <p:sp>
+        <p:nvSpPr>
+          <p:cNvPr id="2" name="Title 1"/>
+          <p:cNvSpPr>
+            <a:spLocks noGrp="1"/>
+          </p:cNvSpPr>
+          <p:nvPr>
+            <p:ph type="title"/>
+          </p:nvPr>
+        </p:nvSpPr>
+        <p:spPr>
+          <a:xfrm>
+            <a:off x="1141413" y="1041991"/>
+            <a:ext cx="9905998" cy="1049079"/>
+          </a:xfrm>
+        </p:spPr>
+        <p:txBody>
+          <a:bodyPr/>
+          <a:lstStyle/>
+          <a:p>
+            <a:r>
+              <a:rPr lang="en-US" dirty="0"/>
+              <a:t>X-means</a:t>
+            </a:r>
+          </a:p>
+        </p:txBody>
+      </p:sp>
+      <p:sp>
+        <p:nvSpPr>
+          <p:cNvPr id="3" name="Content Placeholder 2"/>
+          <p:cNvSpPr>
+            <a:spLocks noGrp="1"/>
+          </p:cNvSpPr>
+          <p:nvPr>
+            <p:ph idx="1"/>
+          </p:nvPr>
+        </p:nvSpPr>
+        <p:spPr>
+          <a:xfrm>
+            <a:off x="1141413" y="2197395"/>
+            <a:ext cx="9905998" cy="3593805"/>
+          </a:xfrm>
+        </p:spPr>
+        <p:txBody>
+          <a:bodyPr/>
+          <a:lstStyle/>
+          <a:p>
+            <a:r>
+              <a:rPr lang="en-US" dirty="0"/>
+              <a:t>Parameters</a:t>
+            </a:r>
+          </a:p>
+          <a:p>
+            <a:endParaRPr lang="en-US" dirty="0"/>
+          </a:p>
+          <a:p>
+            <a:pPr lvl="1"/>
+            <a:r>
+              <a:rPr lang="en-US" dirty="0"/>
+              <a:t>Dataset </a:t>
+            </a:r>
+          </a:p>
+          <a:p>
+            <a:pPr lvl="1"/>
+            <a:endParaRPr lang="en-US" dirty="0"/>
+          </a:p>
+          <a:p>
+            <a:pPr lvl="1"/>
+            <a:r>
+              <a:rPr lang="en-US" dirty="0"/>
+              <a:t>Range true K is in</a:t>
+            </a:r>
+          </a:p>
+          <a:p>
+            <a:pPr lvl="1"/>
+            <a:endParaRPr lang="en-US" dirty="0"/>
+          </a:p>
+          <a:p>
+            <a:pPr lvl="1"/>
+            <a:r>
+              <a:rPr lang="en-US" dirty="0"/>
+              <a:t>Max number of K mean loops, optional </a:t>
+            </a:r>
+          </a:p>
+        </p:txBody>
+      </p:sp>
+    </p:spTree>
+    <p:extLst>
+      <p:ext uri="{BB962C8B-B14F-4D97-AF65-F5344CB8AC3E}">
+        <p14:creationId xmlns:p14="http://schemas.microsoft.com/office/powerpoint/2010/main" val="831948700"/>
+      </p:ext>
+    </p:extLst>
+  </p:cSld>
+  <p:clrMapOvr>
+    <a:masterClrMapping/>
+  </p:clrMapOvr>
+  <p:timing>
+    <p:tnLst>
+      <p:par>
+        <p:cTn id="1" dur="indefinite" restart="never" nodeType="tmRoot"/>
+      </p:par>
+    </p:tnLst>
+  </p:timing>
+</p:sld>
+</file>
+
+<file path=ppt/slides/slide16.xml><?xml version="1.0" encoding="utf-8"?>
+<p:sld xmlns:a="http://schemas.openxmlformats.org/drawingml/2006/main" xmlns:r="http://schemas.openxmlformats.org/officeDocument/2006/relationships" xmlns:p="http://schemas.openxmlformats.org/presentationml/2006/main">
+  <p:cSld>
+    <p:spTree>
+      <p:nvGrpSpPr>
+        <p:cNvPr id="1" name=""/>
+        <p:cNvGrpSpPr/>
+        <p:nvPr/>
+      </p:nvGrpSpPr>
+      <p:grpSpPr>
+        <a:xfrm>
+          <a:off x="0" y="0"/>
+          <a:ext cx="0" cy="0"/>
+          <a:chOff x="0" y="0"/>
+          <a:chExt cx="0" cy="0"/>
+        </a:xfrm>
+      </p:grpSpPr>
+      <p:sp>
+        <p:nvSpPr>
+          <p:cNvPr id="2" name="Title 1"/>
+          <p:cNvSpPr>
+            <a:spLocks noGrp="1"/>
+          </p:cNvSpPr>
+          <p:nvPr>
+            <p:ph type="title"/>
+          </p:nvPr>
+        </p:nvSpPr>
+        <p:spPr>
+          <a:xfrm>
+            <a:off x="1141413" y="1041991"/>
+            <a:ext cx="9905998" cy="1049079"/>
+          </a:xfrm>
+        </p:spPr>
+        <p:txBody>
+          <a:bodyPr/>
+          <a:lstStyle/>
+          <a:p>
+            <a:r>
+              <a:rPr lang="en-US" dirty="0"/>
+              <a:t>What X-means Does</a:t>
+            </a:r>
+          </a:p>
+        </p:txBody>
+      </p:sp>
+      <p:sp>
+        <p:nvSpPr>
+          <p:cNvPr id="3" name="Content Placeholder 2"/>
+          <p:cNvSpPr>
+            <a:spLocks noGrp="1"/>
+          </p:cNvSpPr>
+          <p:nvPr>
+            <p:ph idx="1"/>
+          </p:nvPr>
+        </p:nvSpPr>
+        <p:spPr>
+          <a:xfrm>
+            <a:off x="1141413" y="2197395"/>
+            <a:ext cx="9905998" cy="3593805"/>
+          </a:xfrm>
+        </p:spPr>
+        <p:txBody>
+          <a:bodyPr/>
+          <a:lstStyle/>
+          <a:p>
+            <a:r>
+              <a:rPr lang="en-US" dirty="0"/>
+              <a:t>Improves on K-Means by letting K be a range of numbers </a:t>
+            </a:r>
+          </a:p>
+          <a:p>
+            <a:r>
+              <a:rPr lang="en-US" dirty="0"/>
+              <a:t> Helps the problem of finding only the local minima </a:t>
+            </a:r>
+          </a:p>
+          <a:p>
+            <a:r>
+              <a:rPr lang="en-US" dirty="0"/>
+              <a:t>Can be sped up using K-D trees</a:t>
+            </a:r>
+          </a:p>
+        </p:txBody>
+      </p:sp>
+    </p:spTree>
+    <p:extLst>
+      <p:ext uri="{BB962C8B-B14F-4D97-AF65-F5344CB8AC3E}">
+        <p14:creationId xmlns:p14="http://schemas.microsoft.com/office/powerpoint/2010/main" val="3217976806"/>
+      </p:ext>
+    </p:extLst>
+  </p:cSld>
+  <p:clrMapOvr>
+    <a:masterClrMapping/>
+  </p:clrMapOvr>
+  <p:timing>
+    <p:tnLst>
+      <p:par>
+        <p:cTn id="1" dur="indefinite" restart="never" nodeType="tmRoot"/>
+      </p:par>
+    </p:tnLst>
+  </p:timing>
+</p:sld>
+</file>
+
+<file path=ppt/slides/slide17.xml><?xml version="1.0" encoding="utf-8"?>
+<p:sld xmlns:a="http://schemas.openxmlformats.org/drawingml/2006/main" xmlns:r="http://schemas.openxmlformats.org/officeDocument/2006/relationships" xmlns:p="http://schemas.openxmlformats.org/presentationml/2006/main">
+  <p:cSld>
+    <p:spTree>
+      <p:nvGrpSpPr>
+        <p:cNvPr id="1" name=""/>
+        <p:cNvGrpSpPr/>
+        <p:nvPr/>
+      </p:nvGrpSpPr>
+      <p:grpSpPr>
+        <a:xfrm>
+          <a:off x="0" y="0"/>
+          <a:ext cx="0" cy="0"/>
+          <a:chOff x="0" y="0"/>
+          <a:chExt cx="0" cy="0"/>
+        </a:xfrm>
+      </p:grpSpPr>
+      <p:sp>
+        <p:nvSpPr>
+          <p:cNvPr id="2" name="Title 1"/>
+          <p:cNvSpPr>
+            <a:spLocks noGrp="1"/>
+          </p:cNvSpPr>
+          <p:nvPr>
+            <p:ph type="title"/>
+          </p:nvPr>
+        </p:nvSpPr>
+        <p:spPr>
+          <a:xfrm>
+            <a:off x="1141413" y="135980"/>
+            <a:ext cx="9905998" cy="1049079"/>
+          </a:xfrm>
+        </p:spPr>
+        <p:txBody>
+          <a:bodyPr/>
+          <a:lstStyle/>
+          <a:p>
+            <a:r>
+              <a:rPr lang="en-US" dirty="0"/>
+              <a:t>What X-means Does</a:t>
+            </a:r>
+          </a:p>
+        </p:txBody>
+      </p:sp>
+      <p:pic>
+        <p:nvPicPr>
+          <p:cNvPr id="4" name="Content Placeholder 3"/>
+          <p:cNvPicPr>
+            <a:picLocks noGrp="1" noChangeAspect="1"/>
+          </p:cNvPicPr>
+          <p:nvPr>
+            <p:ph idx="1"/>
+          </p:nvPr>
+        </p:nvPicPr>
+        <p:blipFill>
+          <a:blip r:embed="rId2"/>
+          <a:stretch>
+            <a:fillRect/>
+          </a:stretch>
+        </p:blipFill>
+        <p:spPr>
+          <a:xfrm>
+            <a:off x="86114" y="980696"/>
+            <a:ext cx="7858260" cy="5902127"/>
+          </a:xfrm>
+        </p:spPr>
+      </p:pic>
+    </p:spTree>
+    <p:extLst>
+      <p:ext uri="{BB962C8B-B14F-4D97-AF65-F5344CB8AC3E}">
+        <p14:creationId xmlns:p14="http://schemas.microsoft.com/office/powerpoint/2010/main" val="552237662"/>
+      </p:ext>
+    </p:extLst>
+  </p:cSld>
+  <p:clrMapOvr>
+    <a:masterClrMapping/>
+  </p:clrMapOvr>
+</p:sld>
+</file>
+
+<file path=ppt/slides/slide18.xml><?xml version="1.0" encoding="utf-8"?>
+<p:sld xmlns:a="http://schemas.openxmlformats.org/drawingml/2006/main" xmlns:r="http://schemas.openxmlformats.org/officeDocument/2006/relationships" xmlns:p="http://schemas.openxmlformats.org/presentationml/2006/main">
+  <p:cSld>
+    <p:spTree>
+      <p:nvGrpSpPr>
+        <p:cNvPr id="1" name=""/>
+        <p:cNvGrpSpPr/>
+        <p:nvPr/>
+      </p:nvGrpSpPr>
+      <p:grpSpPr>
+        <a:xfrm>
+          <a:off x="0" y="0"/>
+          <a:ext cx="0" cy="0"/>
+          <a:chOff x="0" y="0"/>
+          <a:chExt cx="0" cy="0"/>
+        </a:xfrm>
+      </p:grpSpPr>
+      <p:sp>
+        <p:nvSpPr>
+          <p:cNvPr id="2" name="Title 1"/>
+          <p:cNvSpPr>
+            <a:spLocks noGrp="1"/>
+          </p:cNvSpPr>
+          <p:nvPr>
+            <p:ph type="title"/>
+          </p:nvPr>
+        </p:nvSpPr>
+        <p:spPr>
+          <a:xfrm>
             <a:off x="621295" y="278593"/>
             <a:ext cx="9905998" cy="1049079"/>
           </a:xfrm>
@@ -5941,7 +6917,7 @@
 </p:sld>
 </file>
 
-<file path=ppt/slides/slide12.xml><?xml version="1.0" encoding="utf-8"?>
+<file path=ppt/slides/slide19.xml><?xml version="1.0" encoding="utf-8"?>
 <p:sld xmlns:a="http://schemas.openxmlformats.org/drawingml/2006/main" xmlns:r="http://schemas.openxmlformats.org/officeDocument/2006/relationships" xmlns:p="http://schemas.openxmlformats.org/presentationml/2006/main">
   <p:cSld>
     <p:spTree>
@@ -6026,7 +7002,116 @@
 </p:sld>
 </file>
 
-<file path=ppt/slides/slide13.xml><?xml version="1.0" encoding="utf-8"?>
+<file path=ppt/slides/slide2.xml><?xml version="1.0" encoding="utf-8"?>
+<p:sld xmlns:a="http://schemas.openxmlformats.org/drawingml/2006/main" xmlns:r="http://schemas.openxmlformats.org/officeDocument/2006/relationships" xmlns:p="http://schemas.openxmlformats.org/presentationml/2006/main">
+  <p:cSld>
+    <p:spTree>
+      <p:nvGrpSpPr>
+        <p:cNvPr id="1" name=""/>
+        <p:cNvGrpSpPr/>
+        <p:nvPr/>
+      </p:nvGrpSpPr>
+      <p:grpSpPr>
+        <a:xfrm>
+          <a:off x="0" y="0"/>
+          <a:ext cx="0" cy="0"/>
+          <a:chOff x="0" y="0"/>
+          <a:chExt cx="0" cy="0"/>
+        </a:xfrm>
+      </p:grpSpPr>
+      <p:sp>
+        <p:nvSpPr>
+          <p:cNvPr id="2" name="Title 1"/>
+          <p:cNvSpPr>
+            <a:spLocks noGrp="1"/>
+          </p:cNvSpPr>
+          <p:nvPr>
+            <p:ph type="title"/>
+          </p:nvPr>
+        </p:nvSpPr>
+        <p:spPr>
+          <a:xfrm>
+            <a:off x="1141413" y="999460"/>
+            <a:ext cx="9905998" cy="1148316"/>
+          </a:xfrm>
+        </p:spPr>
+        <p:txBody>
+          <a:bodyPr/>
+          <a:lstStyle/>
+          <a:p>
+            <a:r>
+              <a:rPr lang="en-US" dirty="0"/>
+              <a:t>Algorithms Implemented</a:t>
+            </a:r>
+          </a:p>
+        </p:txBody>
+      </p:sp>
+      <p:sp>
+        <p:nvSpPr>
+          <p:cNvPr id="3" name="Content Placeholder 2"/>
+          <p:cNvSpPr>
+            <a:spLocks noGrp="1"/>
+          </p:cNvSpPr>
+          <p:nvPr>
+            <p:ph idx="1"/>
+          </p:nvPr>
+        </p:nvSpPr>
+        <p:spPr>
+          <a:xfrm>
+            <a:off x="1141413" y="2147777"/>
+            <a:ext cx="9905998" cy="3281916"/>
+          </a:xfrm>
+        </p:spPr>
+        <p:txBody>
+          <a:bodyPr/>
+          <a:lstStyle/>
+          <a:p>
+            <a:r>
+              <a:rPr lang="en-US" dirty="0"/>
+              <a:t>Apriori – Frequent Itemset Mining</a:t>
+            </a:r>
+          </a:p>
+          <a:p>
+            <a:endParaRPr lang="en-US" dirty="0"/>
+          </a:p>
+          <a:p>
+            <a:r>
+              <a:rPr lang="en-US" dirty="0"/>
+              <a:t>ID3 – Classification</a:t>
+            </a:r>
+          </a:p>
+          <a:p>
+            <a:endParaRPr lang="en-US" dirty="0"/>
+          </a:p>
+          <a:p>
+            <a:r>
+              <a:rPr lang="en-US" dirty="0"/>
+              <a:t>X-means - Clustering</a:t>
+            </a:r>
+          </a:p>
+        </p:txBody>
+      </p:sp>
+    </p:spTree>
+    <p:extLst>
+      <p:ext uri="{BB962C8B-B14F-4D97-AF65-F5344CB8AC3E}">
+        <p14:creationId xmlns:p14="http://schemas.microsoft.com/office/powerpoint/2010/main" val="1633808456"/>
+      </p:ext>
+    </p:extLst>
+  </p:cSld>
+  <p:clrMapOvr>
+    <a:masterClrMapping/>
+  </p:clrMapOvr>
+  <p:timing>
+    <p:tnLst>
+      <p:par>
+        <p:cTn id="1" dur="indefinite" restart="never" nodeType="tmRoot"/>
+      </p:par>
+    </p:tnLst>
+  </p:timing>
+</p:sld>
+</file>
+
+<file path=ppt/slides/slide20.xml><?xml version="1.0" encoding="utf-8"?>
 <p:sld xmlns:a="http://schemas.openxmlformats.org/drawingml/2006/main" xmlns:r="http://schemas.openxmlformats.org/officeDocument/2006/relationships" xmlns:p="http://schemas.openxmlformats.org/presentationml/2006/main">
   <p:cSld>
     <p:spTree>
@@ -6111,7 +7196,7 @@
 </p:sld>
 </file>
 
-<file path=ppt/slides/slide14.xml><?xml version="1.0" encoding="utf-8"?>
+<file path=ppt/slides/slide21.xml><?xml version="1.0" encoding="utf-8"?>
 <p:sld xmlns:a="http://schemas.openxmlformats.org/drawingml/2006/main" xmlns:r="http://schemas.openxmlformats.org/officeDocument/2006/relationships" xmlns:p="http://schemas.openxmlformats.org/presentationml/2006/main">
   <p:cSld>
     <p:spTree>
@@ -6349,7 +7434,7 @@
 </p:sld>
 </file>
 
-<file path=ppt/slides/slide15.xml><?xml version="1.0" encoding="utf-8"?>
+<file path=ppt/slides/slide22.xml><?xml version="1.0" encoding="utf-8"?>
 <p:sld xmlns:a="http://schemas.openxmlformats.org/drawingml/2006/main" xmlns:r="http://schemas.openxmlformats.org/officeDocument/2006/relationships" xmlns:p="http://schemas.openxmlformats.org/presentationml/2006/main">
   <p:cSld>
     <p:spTree>
@@ -6445,7 +7530,7 @@
 </p:sld>
 </file>
 
-<file path=ppt/slides/slide16.xml><?xml version="1.0" encoding="utf-8"?>
+<file path=ppt/slides/slide23.xml><?xml version="1.0" encoding="utf-8"?>
 <p:sld xmlns:a="http://schemas.openxmlformats.org/drawingml/2006/main" xmlns:r="http://schemas.openxmlformats.org/officeDocument/2006/relationships" xmlns:p="http://schemas.openxmlformats.org/presentationml/2006/main">
   <p:cSld>
     <p:spTree>
@@ -6523,108 +7608,6 @@
     <p:extLst>
       <p:ext uri="{BB962C8B-B14F-4D97-AF65-F5344CB8AC3E}">
         <p14:creationId xmlns:p14="http://schemas.microsoft.com/office/powerpoint/2010/main" val="3708619962"/>
-      </p:ext>
-    </p:extLst>
-  </p:cSld>
-  <p:clrMapOvr>
-    <a:masterClrMapping/>
-  </p:clrMapOvr>
-</p:sld>
-</file>
-
-<file path=ppt/slides/slide2.xml><?xml version="1.0" encoding="utf-8"?>
-<p:sld xmlns:a="http://schemas.openxmlformats.org/drawingml/2006/main" xmlns:r="http://schemas.openxmlformats.org/officeDocument/2006/relationships" xmlns:p="http://schemas.openxmlformats.org/presentationml/2006/main">
-  <p:cSld>
-    <p:spTree>
-      <p:nvGrpSpPr>
-        <p:cNvPr id="1" name=""/>
-        <p:cNvGrpSpPr/>
-        <p:nvPr/>
-      </p:nvGrpSpPr>
-      <p:grpSpPr>
-        <a:xfrm>
-          <a:off x="0" y="0"/>
-          <a:ext cx="0" cy="0"/>
-          <a:chOff x="0" y="0"/>
-          <a:chExt cx="0" cy="0"/>
-        </a:xfrm>
-      </p:grpSpPr>
-      <p:sp>
-        <p:nvSpPr>
-          <p:cNvPr id="2" name="Title 1"/>
-          <p:cNvSpPr>
-            <a:spLocks noGrp="1"/>
-          </p:cNvSpPr>
-          <p:nvPr>
-            <p:ph type="title"/>
-          </p:nvPr>
-        </p:nvSpPr>
-        <p:spPr>
-          <a:xfrm>
-            <a:off x="1141413" y="999460"/>
-            <a:ext cx="9905998" cy="1148316"/>
-          </a:xfrm>
-        </p:spPr>
-        <p:txBody>
-          <a:bodyPr/>
-          <a:lstStyle/>
-          <a:p>
-            <a:r>
-              <a:rPr lang="en-US" dirty="0"/>
-              <a:t>Algorithms Implemented</a:t>
-            </a:r>
-          </a:p>
-        </p:txBody>
-      </p:sp>
-      <p:sp>
-        <p:nvSpPr>
-          <p:cNvPr id="3" name="Content Placeholder 2"/>
-          <p:cNvSpPr>
-            <a:spLocks noGrp="1"/>
-          </p:cNvSpPr>
-          <p:nvPr>
-            <p:ph idx="1"/>
-          </p:nvPr>
-        </p:nvSpPr>
-        <p:spPr>
-          <a:xfrm>
-            <a:off x="1141413" y="2147777"/>
-            <a:ext cx="9905998" cy="3281916"/>
-          </a:xfrm>
-        </p:spPr>
-        <p:txBody>
-          <a:bodyPr/>
-          <a:lstStyle/>
-          <a:p>
-            <a:r>
-              <a:rPr lang="en-US" dirty="0"/>
-              <a:t>Apriori – Frequent Itemset Mining</a:t>
-            </a:r>
-          </a:p>
-          <a:p>
-            <a:endParaRPr lang="en-US" dirty="0"/>
-          </a:p>
-          <a:p>
-            <a:r>
-              <a:rPr lang="en-US" dirty="0"/>
-              <a:t>ID3 – Classification</a:t>
-            </a:r>
-          </a:p>
-          <a:p>
-            <a:endParaRPr lang="en-US" dirty="0"/>
-          </a:p>
-          <a:p>
-            <a:r>
-              <a:rPr lang="en-US" dirty="0"/>
-              <a:t>X-means - Clustering</a:t>
-            </a:r>
-          </a:p>
-        </p:txBody>
-      </p:sp>
-    </p:spTree>
-    <p:extLst>
-      <p:ext uri="{BB962C8B-B14F-4D97-AF65-F5344CB8AC3E}">
-        <p14:creationId xmlns:p14="http://schemas.microsoft.com/office/powerpoint/2010/main" val="1633808456"/>
       </p:ext>
     </p:extLst>
   </p:cSld>
@@ -6747,6 +7730,13 @@
   <p:clrMapOvr>
     <a:masterClrMapping/>
   </p:clrMapOvr>
+  <p:timing>
+    <p:tnLst>
+      <p:par>
+        <p:cTn id="1" dur="indefinite" restart="never" nodeType="tmRoot"/>
+      </p:par>
+    </p:tnLst>
+  </p:timing>
 </p:sld>
 </file>
 
@@ -6860,6 +7850,13 @@
   <p:clrMapOvr>
     <a:masterClrMapping/>
   </p:clrMapOvr>
+  <p:timing>
+    <p:tnLst>
+      <p:par>
+        <p:cTn id="1" dur="indefinite" restart="never" nodeType="tmRoot"/>
+      </p:par>
+    </p:tnLst>
+  </p:timing>
 </p:sld>
 </file>
 
@@ -6892,32 +7889,35 @@
         </p:nvSpPr>
         <p:spPr>
           <a:xfrm>
-            <a:off x="1141411" y="1600200"/>
-            <a:ext cx="3549121" cy="512135"/>
-          </a:xfrm>
-        </p:spPr>
-        <p:txBody>
-          <a:bodyPr/>
-          <a:lstStyle/>
-          <a:p>
-            <a:r>
-              <a:rPr lang="en-US" dirty="0"/>
-              <a:t>Apriori Output</a:t>
-            </a:r>
+            <a:off x="0" y="123341"/>
+            <a:ext cx="2417486" cy="982445"/>
+          </a:xfrm>
+        </p:spPr>
+        <p:txBody>
+          <a:bodyPr>
+            <a:normAutofit/>
+          </a:bodyPr>
+          <a:lstStyle/>
+          <a:p>
+            <a:r>
+              <a:rPr lang="en-US" dirty="0" smtClean="0"/>
+              <a:t>Apriori Algorithm</a:t>
+            </a:r>
+            <a:endParaRPr lang="en-US" dirty="0"/>
           </a:p>
         </p:txBody>
       </p:sp>
       <p:pic>
         <p:nvPicPr>
-          <p:cNvPr id="4" name="Content Placeholder 3"/>
+          <p:cNvPr id="7" name="Picture Placeholder 6"/>
           <p:cNvPicPr>
             <a:picLocks noGrp="1" noChangeAspect="1"/>
           </p:cNvPicPr>
           <p:nvPr>
-            <p:ph idx="1"/>
+            <p:ph type="pic" idx="1"/>
           </p:nvPr>
         </p:nvPicPr>
-        <p:blipFill>
+        <p:blipFill rotWithShape="1">
           <a:blip r:embed="rId2">
             <a:extLst>
               <a:ext uri="{28A0092B-C50C-407E-A947-70E740481C1C}">
@@ -6925,81 +7925,33 @@
               </a:ext>
             </a:extLst>
           </a:blip>
-          <a:stretch>
-            <a:fillRect/>
-          </a:stretch>
+          <a:srcRect l="1428" t="662" r="4894" b="4699"/>
+          <a:stretch/>
         </p:blipFill>
         <p:spPr>
           <a:xfrm>
-            <a:off x="5103813" y="708187"/>
-            <a:ext cx="5943600" cy="4984425"/>
+            <a:off x="2417486" y="0"/>
+            <a:ext cx="9774514" cy="6858000"/>
           </a:xfrm>
         </p:spPr>
       </p:pic>
-      <p:sp>
-        <p:nvSpPr>
-          <p:cNvPr id="6" name="Text Placeholder 5"/>
-          <p:cNvSpPr>
-            <a:spLocks noGrp="1"/>
-          </p:cNvSpPr>
-          <p:nvPr>
-            <p:ph type="body" sz="half" idx="2"/>
-          </p:nvPr>
-        </p:nvSpPr>
-        <p:spPr>
-          <a:xfrm>
-            <a:off x="1141411" y="2317898"/>
-            <a:ext cx="3549121" cy="2977116"/>
-          </a:xfrm>
-        </p:spPr>
-        <p:txBody>
-          <a:bodyPr/>
-          <a:lstStyle/>
-          <a:p>
-            <a:r>
-              <a:rPr lang="en-US" dirty="0"/>
-              <a:t>Input: Belgium retail market</a:t>
-            </a:r>
-          </a:p>
-          <a:p>
-            <a:endParaRPr lang="en-US" dirty="0"/>
-          </a:p>
-          <a:p>
-            <a:r>
-              <a:rPr lang="en-US" dirty="0"/>
-              <a:t>Min Sup: 1500</a:t>
-            </a:r>
-          </a:p>
-          <a:p>
-            <a:endParaRPr lang="en-US" dirty="0"/>
-          </a:p>
-          <a:p>
-            <a:r>
-              <a:rPr lang="en-US" dirty="0"/>
-              <a:t>Children: 5</a:t>
-            </a:r>
-          </a:p>
-          <a:p>
-            <a:endParaRPr lang="en-US" dirty="0"/>
-          </a:p>
-          <a:p>
-            <a:r>
-              <a:rPr lang="en-US" dirty="0"/>
-              <a:t>Bucket Size: 3</a:t>
-            </a:r>
-          </a:p>
-        </p:txBody>
-      </p:sp>
     </p:spTree>
     <p:extLst>
       <p:ext uri="{BB962C8B-B14F-4D97-AF65-F5344CB8AC3E}">
-        <p14:creationId xmlns:p14="http://schemas.microsoft.com/office/powerpoint/2010/main" val="653915034"/>
+        <p14:creationId xmlns:p14="http://schemas.microsoft.com/office/powerpoint/2010/main" val="938942719"/>
       </p:ext>
     </p:extLst>
   </p:cSld>
   <p:clrMapOvr>
     <a:masterClrMapping/>
   </p:clrMapOvr>
+  <p:timing>
+    <p:tnLst>
+      <p:par>
+        <p:cTn id="1" dur="indefinite" restart="never" nodeType="tmRoot"/>
+      </p:par>
+    </p:tnLst>
+  </p:timing>
 </p:sld>
 </file>
 
@@ -7032,102 +7984,100 @@
         </p:nvSpPr>
         <p:spPr>
           <a:xfrm>
-            <a:off x="1141413" y="1041991"/>
-            <a:ext cx="9905998" cy="1049079"/>
-          </a:xfrm>
-        </p:spPr>
-        <p:txBody>
-          <a:bodyPr/>
-          <a:lstStyle/>
-          <a:p>
-            <a:r>
-              <a:rPr lang="en-US" dirty="0"/>
-              <a:t>ID3</a:t>
-            </a:r>
-          </a:p>
-        </p:txBody>
-      </p:sp>
-      <p:sp>
-        <p:nvSpPr>
-          <p:cNvPr id="3" name="Content Placeholder 2"/>
-          <p:cNvSpPr>
-            <a:spLocks noGrp="1"/>
-          </p:cNvSpPr>
-          <p:nvPr>
-            <p:ph idx="1"/>
-          </p:nvPr>
-        </p:nvSpPr>
-        <p:spPr>
-          <a:xfrm>
-            <a:off x="1141413" y="2197395"/>
-            <a:ext cx="9905998" cy="3593805"/>
-          </a:xfrm>
-        </p:spPr>
-        <p:txBody>
-          <a:bodyPr/>
-          <a:lstStyle/>
-          <a:p>
-            <a:r>
-              <a:rPr lang="en-US" dirty="0"/>
-              <a:t>Parameters</a:t>
-            </a:r>
-          </a:p>
-          <a:p>
-            <a:endParaRPr lang="en-US" dirty="0"/>
-          </a:p>
-          <a:p>
-            <a:pPr lvl="1"/>
-            <a:r>
-              <a:rPr lang="en-US" dirty="0" err="1"/>
-              <a:t>Param</a:t>
-            </a:r>
-            <a:r>
-              <a:rPr lang="en-US" dirty="0"/>
-              <a:t> 1 (required)</a:t>
-            </a:r>
-          </a:p>
-          <a:p>
-            <a:pPr lvl="1"/>
-            <a:endParaRPr lang="en-US" dirty="0"/>
-          </a:p>
-          <a:p>
-            <a:pPr lvl="1"/>
-            <a:r>
-              <a:rPr lang="en-US" dirty="0" err="1"/>
-              <a:t>Param</a:t>
-            </a:r>
-            <a:r>
-              <a:rPr lang="en-US" dirty="0"/>
-              <a:t> 2</a:t>
-            </a:r>
-          </a:p>
-          <a:p>
-            <a:pPr lvl="1"/>
-            <a:endParaRPr lang="en-US" dirty="0"/>
-          </a:p>
-          <a:p>
-            <a:pPr lvl="1"/>
-            <a:r>
-              <a:rPr lang="en-US" dirty="0" err="1"/>
-              <a:t>Param</a:t>
-            </a:r>
-            <a:r>
-              <a:rPr lang="en-US" dirty="0"/>
-              <a:t> 3</a:t>
-            </a:r>
-          </a:p>
-        </p:txBody>
-      </p:sp>
+            <a:off x="488272" y="748029"/>
+            <a:ext cx="2417486" cy="982445"/>
+          </a:xfrm>
+        </p:spPr>
+        <p:txBody>
+          <a:bodyPr>
+            <a:normAutofit/>
+          </a:bodyPr>
+          <a:lstStyle/>
+          <a:p>
+            <a:pPr algn="ctr"/>
+            <a:r>
+              <a:rPr lang="en-US" dirty="0" smtClean="0"/>
+              <a:t>Apriori: Node Add</a:t>
+            </a:r>
+            <a:endParaRPr lang="en-US" dirty="0"/>
+          </a:p>
+        </p:txBody>
+      </p:sp>
+      <p:pic>
+        <p:nvPicPr>
+          <p:cNvPr id="7" name="Picture Placeholder 6"/>
+          <p:cNvPicPr>
+            <a:picLocks noGrp="1" noChangeAspect="1"/>
+          </p:cNvPicPr>
+          <p:nvPr>
+            <p:ph type="pic" idx="1"/>
+          </p:nvPr>
+        </p:nvPicPr>
+        <p:blipFill rotWithShape="1">
+          <a:blip r:embed="rId2">
+            <a:extLst>
+              <a:ext uri="{28A0092B-C50C-407E-A947-70E740481C1C}">
+                <a14:useLocalDpi xmlns:a14="http://schemas.microsoft.com/office/drawing/2010/main" val="0"/>
+              </a:ext>
+            </a:extLst>
+          </a:blip>
+          <a:srcRect r="42902" b="3471"/>
+          <a:stretch/>
+        </p:blipFill>
+        <p:spPr>
+          <a:xfrm>
+            <a:off x="3231472" y="0"/>
+            <a:ext cx="8960528" cy="6870510"/>
+          </a:xfrm>
+        </p:spPr>
+      </p:pic>
+      <p:pic>
+        <p:nvPicPr>
+          <p:cNvPr id="3" name="Picture 2"/>
+          <p:cNvPicPr>
+            <a:picLocks noChangeAspect="1"/>
+          </p:cNvPicPr>
+          <p:nvPr/>
+        </p:nvPicPr>
+        <p:blipFill>
+          <a:blip r:embed="rId3">
+            <a:extLst>
+              <a:ext uri="{28A0092B-C50C-407E-A947-70E740481C1C}">
+                <a14:useLocalDpi xmlns:a14="http://schemas.microsoft.com/office/drawing/2010/main" val="0"/>
+              </a:ext>
+            </a:extLst>
+          </a:blip>
+          <a:stretch>
+            <a:fillRect/>
+          </a:stretch>
+        </p:blipFill>
+        <p:spPr>
+          <a:xfrm>
+            <a:off x="29181" y="2478503"/>
+            <a:ext cx="3202291" cy="2102374"/>
+          </a:xfrm>
+          <a:prstGeom prst="rect">
+            <a:avLst/>
+          </a:prstGeom>
+        </p:spPr>
+      </p:pic>
     </p:spTree>
     <p:extLst>
       <p:ext uri="{BB962C8B-B14F-4D97-AF65-F5344CB8AC3E}">
-        <p14:creationId xmlns:p14="http://schemas.microsoft.com/office/powerpoint/2010/main" val="4019156827"/>
+        <p14:creationId xmlns:p14="http://schemas.microsoft.com/office/powerpoint/2010/main" val="2457480273"/>
       </p:ext>
     </p:extLst>
   </p:cSld>
   <p:clrMapOvr>
     <a:masterClrMapping/>
   </p:clrMapOvr>
+  <p:timing>
+    <p:tnLst>
+      <p:par>
+        <p:cTn id="1" dur="indefinite" restart="never" nodeType="tmRoot"/>
+      </p:par>
+    </p:tnLst>
+  </p:timing>
 </p:sld>
 </file>
 
@@ -7170,7 +8120,7 @@
           <a:p>
             <a:r>
               <a:rPr lang="en-US" dirty="0"/>
-              <a:t>ID3 Output</a:t>
+              <a:t>Apriori Output</a:t>
             </a:r>
           </a:p>
         </p:txBody>
@@ -7199,8 +8149,8 @@
         </p:blipFill>
         <p:spPr>
           <a:xfrm>
-            <a:off x="5103813" y="708187"/>
-            <a:ext cx="5943600" cy="4984425"/>
+            <a:off x="5103812" y="708187"/>
+            <a:ext cx="6924921" cy="5807381"/>
           </a:xfrm>
         </p:spPr>
       </p:pic>
@@ -7226,7 +8176,7 @@
           <a:p>
             <a:r>
               <a:rPr lang="en-US" dirty="0"/>
-              <a:t>Input: Some Input</a:t>
+              <a:t>Input: Belgium retail market</a:t>
             </a:r>
           </a:p>
           <a:p>
@@ -7235,7 +8185,7 @@
           <a:p>
             <a:r>
               <a:rPr lang="en-US" dirty="0"/>
-              <a:t>Parameters</a:t>
+              <a:t>Min Sup: 1500</a:t>
             </a:r>
           </a:p>
           <a:p>
@@ -7244,7 +8194,7 @@
           <a:p>
             <a:r>
               <a:rPr lang="en-US" dirty="0"/>
-              <a:t>Other Info</a:t>
+              <a:t>Children: 5</a:t>
             </a:r>
           </a:p>
           <a:p>
@@ -7253,21 +8203,58 @@
           <a:p>
             <a:r>
               <a:rPr lang="en-US" dirty="0"/>
-              <a:t>Whatever</a:t>
-            </a:r>
-          </a:p>
-        </p:txBody>
-      </p:sp>
+              <a:t>Bucket Size: 3</a:t>
+            </a:r>
+          </a:p>
+        </p:txBody>
+      </p:sp>
+      <p:pic>
+        <p:nvPicPr>
+          <p:cNvPr id="3" name="Picture 2"/>
+          <p:cNvPicPr>
+            <a:picLocks noChangeAspect="1"/>
+          </p:cNvPicPr>
+          <p:nvPr/>
+        </p:nvPicPr>
+        <p:blipFill>
+          <a:blip r:embed="rId3">
+            <a:extLst>
+              <a:ext uri="{28A0092B-C50C-407E-A947-70E740481C1C}">
+                <a14:useLocalDpi xmlns:a14="http://schemas.microsoft.com/office/drawing/2010/main" val="0"/>
+              </a:ext>
+            </a:extLst>
+          </a:blip>
+          <a:stretch>
+            <a:fillRect/>
+          </a:stretch>
+        </p:blipFill>
+        <p:spPr>
+          <a:xfrm>
+            <a:off x="92243" y="90984"/>
+            <a:ext cx="11936491" cy="514422"/>
+          </a:xfrm>
+          <a:prstGeom prst="rect">
+            <a:avLst/>
+          </a:prstGeom>
+        </p:spPr>
+      </p:pic>
     </p:spTree>
     <p:extLst>
       <p:ext uri="{BB962C8B-B14F-4D97-AF65-F5344CB8AC3E}">
-        <p14:creationId xmlns:p14="http://schemas.microsoft.com/office/powerpoint/2010/main" val="2396371313"/>
+        <p14:creationId xmlns:p14="http://schemas.microsoft.com/office/powerpoint/2010/main" val="653915034"/>
       </p:ext>
     </p:extLst>
   </p:cSld>
   <p:clrMapOvr>
     <a:masterClrMapping/>
   </p:clrMapOvr>
+  <p:timing>
+    <p:tnLst>
+      <p:par>
+        <p:cTn id="1" dur="indefinite" restart="never" nodeType="tmRoot"/>
+      </p:par>
+    </p:tnLst>
+  </p:timing>
 </p:sld>
 </file>
 
@@ -7300,8 +8287,8 @@
         </p:nvSpPr>
         <p:spPr>
           <a:xfrm>
-            <a:off x="1141413" y="1041991"/>
-            <a:ext cx="9905998" cy="1049079"/>
+            <a:off x="0" y="123341"/>
+            <a:ext cx="1282700" cy="982445"/>
           </a:xfrm>
         </p:spPr>
         <p:txBody>
@@ -7309,81 +8296,91 @@
           <a:lstStyle/>
           <a:p>
             <a:r>
-              <a:rPr lang="en-US" dirty="0"/>
-              <a:t>X-means</a:t>
-            </a:r>
-          </a:p>
-        </p:txBody>
-      </p:sp>
-      <p:sp>
-        <p:nvSpPr>
-          <p:cNvPr id="3" name="Content Placeholder 2"/>
-          <p:cNvSpPr>
-            <a:spLocks noGrp="1"/>
-          </p:cNvSpPr>
-          <p:nvPr>
-            <p:ph idx="1"/>
-          </p:nvPr>
-        </p:nvSpPr>
-        <p:spPr>
-          <a:xfrm>
-            <a:off x="1141413" y="2197395"/>
-            <a:ext cx="9905998" cy="3593805"/>
+              <a:rPr lang="en-US" dirty="0" smtClean="0"/>
+              <a:t>ID3</a:t>
+            </a:r>
+            <a:br>
+              <a:rPr lang="en-US" dirty="0" smtClean="0"/>
+            </a:br>
+            <a:r>
+              <a:rPr lang="en-US" dirty="0" smtClean="0"/>
+              <a:t>Class</a:t>
+            </a:r>
+            <a:endParaRPr lang="en-US" dirty="0"/>
+          </a:p>
+        </p:txBody>
+      </p:sp>
+      <p:pic>
+        <p:nvPicPr>
+          <p:cNvPr id="7" name="Picture Placeholder 6"/>
+          <p:cNvPicPr>
+            <a:picLocks noGrp="1" noChangeAspect="1"/>
+          </p:cNvPicPr>
+          <p:nvPr>
+            <p:ph type="pic" idx="1"/>
+          </p:nvPr>
+        </p:nvPicPr>
+        <p:blipFill>
+          <a:blip r:embed="rId2">
+            <a:extLst>
+              <a:ext uri="{28A0092B-C50C-407E-A947-70E740481C1C}">
+                <a14:useLocalDpi xmlns:a14="http://schemas.microsoft.com/office/drawing/2010/main" val="0"/>
+              </a:ext>
+            </a:extLst>
+          </a:blip>
+          <a:srcRect t="489" b="489"/>
+          <a:stretch>
+            <a:fillRect/>
+          </a:stretch>
+        </p:blipFill>
+        <p:spPr>
+          <a:xfrm>
+            <a:off x="1282700" y="-19050"/>
+            <a:ext cx="10909300" cy="6904038"/>
+          </a:xfrm>
+        </p:spPr>
+      </p:pic>
+      <p:sp>
+        <p:nvSpPr>
+          <p:cNvPr id="4" name="Text Placeholder 3"/>
+          <p:cNvSpPr>
+            <a:spLocks noGrp="1"/>
+          </p:cNvSpPr>
+          <p:nvPr>
+            <p:ph type="body" sz="half" idx="2"/>
+          </p:nvPr>
+        </p:nvSpPr>
+        <p:spPr>
+          <a:xfrm>
+            <a:off x="34513" y="2920324"/>
+            <a:ext cx="977267" cy="1828800"/>
           </a:xfrm>
         </p:spPr>
         <p:txBody>
           <a:bodyPr/>
           <a:lstStyle/>
           <a:p>
-            <a:r>
-              <a:rPr lang="en-US" dirty="0"/>
-              <a:t>Parameters</a:t>
-            </a:r>
-          </a:p>
-          <a:p>
-            <a:endParaRPr lang="en-US" dirty="0"/>
-          </a:p>
-          <a:p>
-            <a:pPr lvl="1"/>
-            <a:r>
-              <a:rPr lang="en-US" dirty="0"/>
-              <a:t>Dataset </a:t>
-            </a:r>
-          </a:p>
-          <a:p>
-            <a:pPr lvl="1"/>
-            <a:endParaRPr lang="en-US" dirty="0"/>
-          </a:p>
-          <a:p>
-            <a:pPr lvl="1"/>
-            <a:r>
-              <a:rPr lang="en-US" dirty="0"/>
-              <a:t>Range true K is in</a:t>
-            </a:r>
-          </a:p>
-          <a:p>
-            <a:pPr lvl="1"/>
-            <a:endParaRPr lang="en-US" dirty="0"/>
-          </a:p>
-          <a:p>
-            <a:pPr lvl="1"/>
-            <a:r>
-              <a:rPr lang="en-US" dirty="0"/>
-              <a:t>Max number of K mean loops, optional </a:t>
-            </a:r>
+            <a:endParaRPr lang="en-US" dirty="0"/>
           </a:p>
         </p:txBody>
       </p:sp>
     </p:spTree>
     <p:extLst>
       <p:ext uri="{BB962C8B-B14F-4D97-AF65-F5344CB8AC3E}">
-        <p14:creationId xmlns:p14="http://schemas.microsoft.com/office/powerpoint/2010/main" val="831948700"/>
+        <p14:creationId xmlns:p14="http://schemas.microsoft.com/office/powerpoint/2010/main" val="3472208946"/>
       </p:ext>
     </p:extLst>
   </p:cSld>
   <p:clrMapOvr>
     <a:masterClrMapping/>
   </p:clrMapOvr>
+  <p:timing>
+    <p:tnLst>
+      <p:par>
+        <p:cTn id="1" dur="indefinite" restart="never" nodeType="tmRoot"/>
+      </p:par>
+    </p:tnLst>
+  </p:timing>
 </p:sld>
 </file>
 
@@ -7416,8 +8413,8 @@
         </p:nvSpPr>
         <p:spPr>
           <a:xfrm>
-            <a:off x="1141413" y="1041991"/>
-            <a:ext cx="9905998" cy="1049079"/>
+            <a:off x="213064" y="275363"/>
+            <a:ext cx="3116062" cy="656793"/>
           </a:xfrm>
         </p:spPr>
         <p:txBody>
@@ -7425,61 +8422,82 @@
           <a:lstStyle/>
           <a:p>
             <a:r>
-              <a:rPr lang="en-US" dirty="0"/>
-              <a:t>What X-means Does</a:t>
-            </a:r>
-          </a:p>
-        </p:txBody>
-      </p:sp>
-      <p:sp>
-        <p:nvSpPr>
-          <p:cNvPr id="3" name="Content Placeholder 2"/>
-          <p:cNvSpPr>
-            <a:spLocks noGrp="1"/>
-          </p:cNvSpPr>
-          <p:nvPr>
-            <p:ph idx="1"/>
-          </p:nvPr>
-        </p:nvSpPr>
-        <p:spPr>
-          <a:xfrm>
-            <a:off x="1141413" y="2197395"/>
-            <a:ext cx="9905998" cy="3593805"/>
+              <a:rPr lang="en-US" dirty="0" smtClean="0"/>
+              <a:t>ID3 Algorithm</a:t>
+            </a:r>
+            <a:endParaRPr lang="en-US" dirty="0"/>
+          </a:p>
+        </p:txBody>
+      </p:sp>
+      <p:pic>
+        <p:nvPicPr>
+          <p:cNvPr id="10" name="Picture Placeholder 9"/>
+          <p:cNvPicPr>
+            <a:picLocks noGrp="1" noChangeAspect="1"/>
+          </p:cNvPicPr>
+          <p:nvPr>
+            <p:ph type="pic" idx="1"/>
+          </p:nvPr>
+        </p:nvPicPr>
+        <p:blipFill rotWithShape="1">
+          <a:blip r:embed="rId2">
+            <a:extLst>
+              <a:ext uri="{28A0092B-C50C-407E-A947-70E740481C1C}">
+                <a14:useLocalDpi xmlns:a14="http://schemas.microsoft.com/office/drawing/2010/main" val="0"/>
+              </a:ext>
+            </a:extLst>
+          </a:blip>
+          <a:srcRect l="-12" t="514" r="43576" b="-514"/>
+          <a:stretch/>
+        </p:blipFill>
+        <p:spPr>
+          <a:xfrm>
+            <a:off x="3586579" y="0"/>
+            <a:ext cx="8605421" cy="6904038"/>
+          </a:xfrm>
+        </p:spPr>
+      </p:pic>
+      <p:sp>
+        <p:nvSpPr>
+          <p:cNvPr id="4" name="Text Placeholder 3"/>
+          <p:cNvSpPr>
+            <a:spLocks noGrp="1"/>
+          </p:cNvSpPr>
+          <p:nvPr>
+            <p:ph type="body" sz="half" idx="2"/>
+          </p:nvPr>
+        </p:nvSpPr>
+        <p:spPr>
+          <a:xfrm>
+            <a:off x="0" y="2206256"/>
+            <a:ext cx="744279" cy="1828800"/>
           </a:xfrm>
         </p:spPr>
         <p:txBody>
           <a:bodyPr/>
           <a:lstStyle/>
           <a:p>
-            <a:r>
-              <a:rPr lang="en-US" dirty="0"/>
-              <a:t>Improves on K-Means by letting K be a range of numbers </a:t>
-            </a:r>
-          </a:p>
-          <a:p>
-            <a:r>
-              <a:rPr lang="en-US" dirty="0"/>
-              <a:t> Helps the problem of finding only the local minima </a:t>
-            </a:r>
-          </a:p>
-          <a:p>
-            <a:r>
-              <a:rPr lang="en-US" dirty="0"/>
-              <a:t>Can be sped up using K-D trees</a:t>
-            </a:r>
+            <a:endParaRPr lang="en-US" dirty="0"/>
           </a:p>
         </p:txBody>
       </p:sp>
     </p:spTree>
     <p:extLst>
       <p:ext uri="{BB962C8B-B14F-4D97-AF65-F5344CB8AC3E}">
-        <p14:creationId xmlns:p14="http://schemas.microsoft.com/office/powerpoint/2010/main" val="3217976806"/>
+        <p14:creationId xmlns:p14="http://schemas.microsoft.com/office/powerpoint/2010/main" val="2448481701"/>
       </p:ext>
     </p:extLst>
   </p:cSld>
   <p:clrMapOvr>
     <a:masterClrMapping/>
   </p:clrMapOvr>
+  <p:timing>
+    <p:tnLst>
+      <p:par>
+        <p:cTn id="1" dur="indefinite" restart="never" nodeType="tmRoot"/>
+      </p:par>
+    </p:tnLst>
+  </p:timing>
 </p:sld>
 </file>
 
